--- a/4th_revolution-master/4th_revolution-master/bigdata/bigdata/home.selection/bigdata/stat/statistics.pptx
+++ b/4th_revolution-master/4th_revolution-master/bigdata/bigdata/home.selection/bigdata/stat/statistics.pptx
@@ -24,15 +24,14 @@
     <p:sldId id="272" r:id="rId18"/>
     <p:sldId id="274" r:id="rId19"/>
     <p:sldId id="273" r:id="rId20"/>
-    <p:sldId id="275" r:id="rId21"/>
-    <p:sldId id="276" r:id="rId22"/>
-    <p:sldId id="277" r:id="rId23"/>
-    <p:sldId id="279" r:id="rId24"/>
-    <p:sldId id="280" r:id="rId25"/>
-    <p:sldId id="281" r:id="rId26"/>
-    <p:sldId id="282" r:id="rId27"/>
-    <p:sldId id="283" r:id="rId28"/>
-    <p:sldId id="284" r:id="rId29"/>
+    <p:sldId id="276" r:id="rId21"/>
+    <p:sldId id="277" r:id="rId22"/>
+    <p:sldId id="279" r:id="rId23"/>
+    <p:sldId id="280" r:id="rId24"/>
+    <p:sldId id="281" r:id="rId25"/>
+    <p:sldId id="282" r:id="rId26"/>
+    <p:sldId id="283" r:id="rId27"/>
+    <p:sldId id="284" r:id="rId28"/>
   </p:sldIdLst>
   <p:sldSz cx="12192000" cy="6858000"/>
   <p:notesSz cx="6858000" cy="9144000"/>
@@ -156,7 +155,7 @@
           <p:cNvPr id="2" name="제목 1">
             <a:extLst>
               <a:ext uri="{FF2B5EF4-FFF2-40B4-BE49-F238E27FC236}">
-                <a16:creationId xmlns:a16="http://schemas.microsoft.com/office/drawing/2014/main" id="{46677EAE-7454-4518-A354-D9577ADF08AA}"/>
+                <a16:creationId xmlns:a16="http://schemas.microsoft.com/office/drawing/2014/main" xmlns="" id="{46677EAE-7454-4518-A354-D9577ADF08AA}"/>
               </a:ext>
             </a:extLst>
           </p:cNvPr>
@@ -193,7 +192,7 @@
           <p:cNvPr id="3" name="부제목 2">
             <a:extLst>
               <a:ext uri="{FF2B5EF4-FFF2-40B4-BE49-F238E27FC236}">
-                <a16:creationId xmlns:a16="http://schemas.microsoft.com/office/drawing/2014/main" id="{4045FCED-E496-46ED-B5A0-300914C7BAAF}"/>
+                <a16:creationId xmlns:a16="http://schemas.microsoft.com/office/drawing/2014/main" xmlns="" id="{4045FCED-E496-46ED-B5A0-300914C7BAAF}"/>
               </a:ext>
             </a:extLst>
           </p:cNvPr>
@@ -263,7 +262,7 @@
           <p:cNvPr id="4" name="날짜 개체 틀 3">
             <a:extLst>
               <a:ext uri="{FF2B5EF4-FFF2-40B4-BE49-F238E27FC236}">
-                <a16:creationId xmlns:a16="http://schemas.microsoft.com/office/drawing/2014/main" id="{D609AAE8-DB13-45A9-9D82-EE78C237A9BD}"/>
+                <a16:creationId xmlns:a16="http://schemas.microsoft.com/office/drawing/2014/main" xmlns="" id="{D609AAE8-DB13-45A9-9D82-EE78C237A9BD}"/>
               </a:ext>
             </a:extLst>
           </p:cNvPr>
@@ -281,7 +280,7 @@
           <a:p>
             <a:fld id="{AE419B48-D0D3-4D7D-9FAB-8D95C09D23CB}" type="datetimeFigureOut">
               <a:rPr lang="ko-KR" altLang="en-US" smtClean="0"/>
-              <a:t>2019-06-09</a:t>
+              <a:t>2019-06-10</a:t>
             </a:fld>
             <a:endParaRPr lang="ko-KR" altLang="en-US"/>
           </a:p>
@@ -292,7 +291,7 @@
           <p:cNvPr id="5" name="바닥글 개체 틀 4">
             <a:extLst>
               <a:ext uri="{FF2B5EF4-FFF2-40B4-BE49-F238E27FC236}">
-                <a16:creationId xmlns:a16="http://schemas.microsoft.com/office/drawing/2014/main" id="{B65413D3-14C3-4198-B0EB-00546715428C}"/>
+                <a16:creationId xmlns:a16="http://schemas.microsoft.com/office/drawing/2014/main" xmlns="" id="{B65413D3-14C3-4198-B0EB-00546715428C}"/>
               </a:ext>
             </a:extLst>
           </p:cNvPr>
@@ -317,7 +316,7 @@
           <p:cNvPr id="6" name="슬라이드 번호 개체 틀 5">
             <a:extLst>
               <a:ext uri="{FF2B5EF4-FFF2-40B4-BE49-F238E27FC236}">
-                <a16:creationId xmlns:a16="http://schemas.microsoft.com/office/drawing/2014/main" id="{6834C7FD-1BDA-49F4-9343-D33B49F7E537}"/>
+                <a16:creationId xmlns:a16="http://schemas.microsoft.com/office/drawing/2014/main" xmlns="" id="{6834C7FD-1BDA-49F4-9343-D33B49F7E537}"/>
               </a:ext>
             </a:extLst>
           </p:cNvPr>
@@ -376,7 +375,7 @@
           <p:cNvPr id="2" name="제목 1">
             <a:extLst>
               <a:ext uri="{FF2B5EF4-FFF2-40B4-BE49-F238E27FC236}">
-                <a16:creationId xmlns:a16="http://schemas.microsoft.com/office/drawing/2014/main" id="{BC7492A5-3B0C-47FD-8655-094DCDF763BE}"/>
+                <a16:creationId xmlns:a16="http://schemas.microsoft.com/office/drawing/2014/main" xmlns="" id="{BC7492A5-3B0C-47FD-8655-094DCDF763BE}"/>
               </a:ext>
             </a:extLst>
           </p:cNvPr>
@@ -404,7 +403,7 @@
           <p:cNvPr id="3" name="세로 텍스트 개체 틀 2">
             <a:extLst>
               <a:ext uri="{FF2B5EF4-FFF2-40B4-BE49-F238E27FC236}">
-                <a16:creationId xmlns:a16="http://schemas.microsoft.com/office/drawing/2014/main" id="{5FECB8C9-09A3-43B5-A5E5-FCA9167ADA77}"/>
+                <a16:creationId xmlns:a16="http://schemas.microsoft.com/office/drawing/2014/main" xmlns="" id="{5FECB8C9-09A3-43B5-A5E5-FCA9167ADA77}"/>
               </a:ext>
             </a:extLst>
           </p:cNvPr>
@@ -461,7 +460,7 @@
           <p:cNvPr id="4" name="날짜 개체 틀 3">
             <a:extLst>
               <a:ext uri="{FF2B5EF4-FFF2-40B4-BE49-F238E27FC236}">
-                <a16:creationId xmlns:a16="http://schemas.microsoft.com/office/drawing/2014/main" id="{E963537E-FE9E-4B19-BA31-55D1C8215D66}"/>
+                <a16:creationId xmlns:a16="http://schemas.microsoft.com/office/drawing/2014/main" xmlns="" id="{E963537E-FE9E-4B19-BA31-55D1C8215D66}"/>
               </a:ext>
             </a:extLst>
           </p:cNvPr>
@@ -479,7 +478,7 @@
           <a:p>
             <a:fld id="{AE419B48-D0D3-4D7D-9FAB-8D95C09D23CB}" type="datetimeFigureOut">
               <a:rPr lang="ko-KR" altLang="en-US" smtClean="0"/>
-              <a:t>2019-06-09</a:t>
+              <a:t>2019-06-10</a:t>
             </a:fld>
             <a:endParaRPr lang="ko-KR" altLang="en-US"/>
           </a:p>
@@ -490,7 +489,7 @@
           <p:cNvPr id="5" name="바닥글 개체 틀 4">
             <a:extLst>
               <a:ext uri="{FF2B5EF4-FFF2-40B4-BE49-F238E27FC236}">
-                <a16:creationId xmlns:a16="http://schemas.microsoft.com/office/drawing/2014/main" id="{4FC8209D-55A0-4DE2-9EBD-2C8CCACDE8B1}"/>
+                <a16:creationId xmlns:a16="http://schemas.microsoft.com/office/drawing/2014/main" xmlns="" id="{4FC8209D-55A0-4DE2-9EBD-2C8CCACDE8B1}"/>
               </a:ext>
             </a:extLst>
           </p:cNvPr>
@@ -515,7 +514,7 @@
           <p:cNvPr id="6" name="슬라이드 번호 개체 틀 5">
             <a:extLst>
               <a:ext uri="{FF2B5EF4-FFF2-40B4-BE49-F238E27FC236}">
-                <a16:creationId xmlns:a16="http://schemas.microsoft.com/office/drawing/2014/main" id="{3BA33D49-A102-46E8-8107-88DF14961429}"/>
+                <a16:creationId xmlns:a16="http://schemas.microsoft.com/office/drawing/2014/main" xmlns="" id="{3BA33D49-A102-46E8-8107-88DF14961429}"/>
               </a:ext>
             </a:extLst>
           </p:cNvPr>
@@ -574,7 +573,7 @@
           <p:cNvPr id="2" name="세로 제목 1">
             <a:extLst>
               <a:ext uri="{FF2B5EF4-FFF2-40B4-BE49-F238E27FC236}">
-                <a16:creationId xmlns:a16="http://schemas.microsoft.com/office/drawing/2014/main" id="{247989B6-1ED1-4F5D-85BC-6FF151D7D2CB}"/>
+                <a16:creationId xmlns:a16="http://schemas.microsoft.com/office/drawing/2014/main" xmlns="" id="{247989B6-1ED1-4F5D-85BC-6FF151D7D2CB}"/>
               </a:ext>
             </a:extLst>
           </p:cNvPr>
@@ -607,7 +606,7 @@
           <p:cNvPr id="3" name="세로 텍스트 개체 틀 2">
             <a:extLst>
               <a:ext uri="{FF2B5EF4-FFF2-40B4-BE49-F238E27FC236}">
-                <a16:creationId xmlns:a16="http://schemas.microsoft.com/office/drawing/2014/main" id="{78F2B1E4-654F-4E52-A6AD-6C3D5D3E7AB9}"/>
+                <a16:creationId xmlns:a16="http://schemas.microsoft.com/office/drawing/2014/main" xmlns="" id="{78F2B1E4-654F-4E52-A6AD-6C3D5D3E7AB9}"/>
               </a:ext>
             </a:extLst>
           </p:cNvPr>
@@ -669,7 +668,7 @@
           <p:cNvPr id="4" name="날짜 개체 틀 3">
             <a:extLst>
               <a:ext uri="{FF2B5EF4-FFF2-40B4-BE49-F238E27FC236}">
-                <a16:creationId xmlns:a16="http://schemas.microsoft.com/office/drawing/2014/main" id="{F5B9F658-6299-460E-8477-4CEA86105405}"/>
+                <a16:creationId xmlns:a16="http://schemas.microsoft.com/office/drawing/2014/main" xmlns="" id="{F5B9F658-6299-460E-8477-4CEA86105405}"/>
               </a:ext>
             </a:extLst>
           </p:cNvPr>
@@ -687,7 +686,7 @@
           <a:p>
             <a:fld id="{AE419B48-D0D3-4D7D-9FAB-8D95C09D23CB}" type="datetimeFigureOut">
               <a:rPr lang="ko-KR" altLang="en-US" smtClean="0"/>
-              <a:t>2019-06-09</a:t>
+              <a:t>2019-06-10</a:t>
             </a:fld>
             <a:endParaRPr lang="ko-KR" altLang="en-US"/>
           </a:p>
@@ -698,7 +697,7 @@
           <p:cNvPr id="5" name="바닥글 개체 틀 4">
             <a:extLst>
               <a:ext uri="{FF2B5EF4-FFF2-40B4-BE49-F238E27FC236}">
-                <a16:creationId xmlns:a16="http://schemas.microsoft.com/office/drawing/2014/main" id="{DAF2A355-BC78-4981-A395-82F8F2C286CB}"/>
+                <a16:creationId xmlns:a16="http://schemas.microsoft.com/office/drawing/2014/main" xmlns="" id="{DAF2A355-BC78-4981-A395-82F8F2C286CB}"/>
               </a:ext>
             </a:extLst>
           </p:cNvPr>
@@ -723,7 +722,7 @@
           <p:cNvPr id="6" name="슬라이드 번호 개체 틀 5">
             <a:extLst>
               <a:ext uri="{FF2B5EF4-FFF2-40B4-BE49-F238E27FC236}">
-                <a16:creationId xmlns:a16="http://schemas.microsoft.com/office/drawing/2014/main" id="{5F39409B-91F4-4190-9FD9-E3BC2F24BB20}"/>
+                <a16:creationId xmlns:a16="http://schemas.microsoft.com/office/drawing/2014/main" xmlns="" id="{5F39409B-91F4-4190-9FD9-E3BC2F24BB20}"/>
               </a:ext>
             </a:extLst>
           </p:cNvPr>
@@ -782,7 +781,7 @@
           <p:cNvPr id="2" name="제목 1">
             <a:extLst>
               <a:ext uri="{FF2B5EF4-FFF2-40B4-BE49-F238E27FC236}">
-                <a16:creationId xmlns:a16="http://schemas.microsoft.com/office/drawing/2014/main" id="{C856490F-CABB-442C-9ABD-5FFC6B33CC07}"/>
+                <a16:creationId xmlns:a16="http://schemas.microsoft.com/office/drawing/2014/main" xmlns="" id="{C856490F-CABB-442C-9ABD-5FFC6B33CC07}"/>
               </a:ext>
             </a:extLst>
           </p:cNvPr>
@@ -810,7 +809,7 @@
           <p:cNvPr id="3" name="내용 개체 틀 2">
             <a:extLst>
               <a:ext uri="{FF2B5EF4-FFF2-40B4-BE49-F238E27FC236}">
-                <a16:creationId xmlns:a16="http://schemas.microsoft.com/office/drawing/2014/main" id="{92D83C7C-E63B-45D8-9EC1-1C1E3957669A}"/>
+                <a16:creationId xmlns:a16="http://schemas.microsoft.com/office/drawing/2014/main" xmlns="" id="{92D83C7C-E63B-45D8-9EC1-1C1E3957669A}"/>
               </a:ext>
             </a:extLst>
           </p:cNvPr>
@@ -867,7 +866,7 @@
           <p:cNvPr id="4" name="날짜 개체 틀 3">
             <a:extLst>
               <a:ext uri="{FF2B5EF4-FFF2-40B4-BE49-F238E27FC236}">
-                <a16:creationId xmlns:a16="http://schemas.microsoft.com/office/drawing/2014/main" id="{4C3D4DA3-D84C-46B8-97FE-03F8F0371909}"/>
+                <a16:creationId xmlns:a16="http://schemas.microsoft.com/office/drawing/2014/main" xmlns="" id="{4C3D4DA3-D84C-46B8-97FE-03F8F0371909}"/>
               </a:ext>
             </a:extLst>
           </p:cNvPr>
@@ -885,7 +884,7 @@
           <a:p>
             <a:fld id="{AE419B48-D0D3-4D7D-9FAB-8D95C09D23CB}" type="datetimeFigureOut">
               <a:rPr lang="ko-KR" altLang="en-US" smtClean="0"/>
-              <a:t>2019-06-09</a:t>
+              <a:t>2019-06-10</a:t>
             </a:fld>
             <a:endParaRPr lang="ko-KR" altLang="en-US"/>
           </a:p>
@@ -896,7 +895,7 @@
           <p:cNvPr id="5" name="바닥글 개체 틀 4">
             <a:extLst>
               <a:ext uri="{FF2B5EF4-FFF2-40B4-BE49-F238E27FC236}">
-                <a16:creationId xmlns:a16="http://schemas.microsoft.com/office/drawing/2014/main" id="{39166B03-CA3F-426D-A2D8-B54A4A50AD86}"/>
+                <a16:creationId xmlns:a16="http://schemas.microsoft.com/office/drawing/2014/main" xmlns="" id="{39166B03-CA3F-426D-A2D8-B54A4A50AD86}"/>
               </a:ext>
             </a:extLst>
           </p:cNvPr>
@@ -921,7 +920,7 @@
           <p:cNvPr id="6" name="슬라이드 번호 개체 틀 5">
             <a:extLst>
               <a:ext uri="{FF2B5EF4-FFF2-40B4-BE49-F238E27FC236}">
-                <a16:creationId xmlns:a16="http://schemas.microsoft.com/office/drawing/2014/main" id="{73F7EE21-D225-4373-8590-1B99A1E10AA6}"/>
+                <a16:creationId xmlns:a16="http://schemas.microsoft.com/office/drawing/2014/main" xmlns="" id="{73F7EE21-D225-4373-8590-1B99A1E10AA6}"/>
               </a:ext>
             </a:extLst>
           </p:cNvPr>
@@ -980,7 +979,7 @@
           <p:cNvPr id="2" name="제목 1">
             <a:extLst>
               <a:ext uri="{FF2B5EF4-FFF2-40B4-BE49-F238E27FC236}">
-                <a16:creationId xmlns:a16="http://schemas.microsoft.com/office/drawing/2014/main" id="{CF832104-CFA6-4A17-A0FC-A369FA050D32}"/>
+                <a16:creationId xmlns:a16="http://schemas.microsoft.com/office/drawing/2014/main" xmlns="" id="{CF832104-CFA6-4A17-A0FC-A369FA050D32}"/>
               </a:ext>
             </a:extLst>
           </p:cNvPr>
@@ -1017,7 +1016,7 @@
           <p:cNvPr id="3" name="텍스트 개체 틀 2">
             <a:extLst>
               <a:ext uri="{FF2B5EF4-FFF2-40B4-BE49-F238E27FC236}">
-                <a16:creationId xmlns:a16="http://schemas.microsoft.com/office/drawing/2014/main" id="{21091870-67BC-4A81-A4E8-A9A73895DF10}"/>
+                <a16:creationId xmlns:a16="http://schemas.microsoft.com/office/drawing/2014/main" xmlns="" id="{21091870-67BC-4A81-A4E8-A9A73895DF10}"/>
               </a:ext>
             </a:extLst>
           </p:cNvPr>
@@ -1142,7 +1141,7 @@
           <p:cNvPr id="4" name="날짜 개체 틀 3">
             <a:extLst>
               <a:ext uri="{FF2B5EF4-FFF2-40B4-BE49-F238E27FC236}">
-                <a16:creationId xmlns:a16="http://schemas.microsoft.com/office/drawing/2014/main" id="{B9AE4477-7AE3-4AF7-984C-F03CAE984EC4}"/>
+                <a16:creationId xmlns:a16="http://schemas.microsoft.com/office/drawing/2014/main" xmlns="" id="{B9AE4477-7AE3-4AF7-984C-F03CAE984EC4}"/>
               </a:ext>
             </a:extLst>
           </p:cNvPr>
@@ -1160,7 +1159,7 @@
           <a:p>
             <a:fld id="{AE419B48-D0D3-4D7D-9FAB-8D95C09D23CB}" type="datetimeFigureOut">
               <a:rPr lang="ko-KR" altLang="en-US" smtClean="0"/>
-              <a:t>2019-06-09</a:t>
+              <a:t>2019-06-10</a:t>
             </a:fld>
             <a:endParaRPr lang="ko-KR" altLang="en-US"/>
           </a:p>
@@ -1171,7 +1170,7 @@
           <p:cNvPr id="5" name="바닥글 개체 틀 4">
             <a:extLst>
               <a:ext uri="{FF2B5EF4-FFF2-40B4-BE49-F238E27FC236}">
-                <a16:creationId xmlns:a16="http://schemas.microsoft.com/office/drawing/2014/main" id="{7A59057F-4B12-49BF-BC7D-686C0E16B244}"/>
+                <a16:creationId xmlns:a16="http://schemas.microsoft.com/office/drawing/2014/main" xmlns="" id="{7A59057F-4B12-49BF-BC7D-686C0E16B244}"/>
               </a:ext>
             </a:extLst>
           </p:cNvPr>
@@ -1196,7 +1195,7 @@
           <p:cNvPr id="6" name="슬라이드 번호 개체 틀 5">
             <a:extLst>
               <a:ext uri="{FF2B5EF4-FFF2-40B4-BE49-F238E27FC236}">
-                <a16:creationId xmlns:a16="http://schemas.microsoft.com/office/drawing/2014/main" id="{E2A3D86B-8A43-4203-BD7E-DF782DA262D4}"/>
+                <a16:creationId xmlns:a16="http://schemas.microsoft.com/office/drawing/2014/main" xmlns="" id="{E2A3D86B-8A43-4203-BD7E-DF782DA262D4}"/>
               </a:ext>
             </a:extLst>
           </p:cNvPr>
@@ -1255,7 +1254,7 @@
           <p:cNvPr id="2" name="제목 1">
             <a:extLst>
               <a:ext uri="{FF2B5EF4-FFF2-40B4-BE49-F238E27FC236}">
-                <a16:creationId xmlns:a16="http://schemas.microsoft.com/office/drawing/2014/main" id="{FD315AB1-F725-46D3-BD9B-0E33FA89FC28}"/>
+                <a16:creationId xmlns:a16="http://schemas.microsoft.com/office/drawing/2014/main" xmlns="" id="{FD315AB1-F725-46D3-BD9B-0E33FA89FC28}"/>
               </a:ext>
             </a:extLst>
           </p:cNvPr>
@@ -1283,7 +1282,7 @@
           <p:cNvPr id="3" name="내용 개체 틀 2">
             <a:extLst>
               <a:ext uri="{FF2B5EF4-FFF2-40B4-BE49-F238E27FC236}">
-                <a16:creationId xmlns:a16="http://schemas.microsoft.com/office/drawing/2014/main" id="{5DADE723-35AB-43B8-9752-93435FA94E38}"/>
+                <a16:creationId xmlns:a16="http://schemas.microsoft.com/office/drawing/2014/main" xmlns="" id="{5DADE723-35AB-43B8-9752-93435FA94E38}"/>
               </a:ext>
             </a:extLst>
           </p:cNvPr>
@@ -1345,7 +1344,7 @@
           <p:cNvPr id="4" name="내용 개체 틀 3">
             <a:extLst>
               <a:ext uri="{FF2B5EF4-FFF2-40B4-BE49-F238E27FC236}">
-                <a16:creationId xmlns:a16="http://schemas.microsoft.com/office/drawing/2014/main" id="{2F0025F3-DFD1-45A9-B93C-44A0D26AE961}"/>
+                <a16:creationId xmlns:a16="http://schemas.microsoft.com/office/drawing/2014/main" xmlns="" id="{2F0025F3-DFD1-45A9-B93C-44A0D26AE961}"/>
               </a:ext>
             </a:extLst>
           </p:cNvPr>
@@ -1407,7 +1406,7 @@
           <p:cNvPr id="5" name="날짜 개체 틀 4">
             <a:extLst>
               <a:ext uri="{FF2B5EF4-FFF2-40B4-BE49-F238E27FC236}">
-                <a16:creationId xmlns:a16="http://schemas.microsoft.com/office/drawing/2014/main" id="{51BCBE46-514D-4B7D-AF79-56B51AD4D303}"/>
+                <a16:creationId xmlns:a16="http://schemas.microsoft.com/office/drawing/2014/main" xmlns="" id="{51BCBE46-514D-4B7D-AF79-56B51AD4D303}"/>
               </a:ext>
             </a:extLst>
           </p:cNvPr>
@@ -1425,7 +1424,7 @@
           <a:p>
             <a:fld id="{AE419B48-D0D3-4D7D-9FAB-8D95C09D23CB}" type="datetimeFigureOut">
               <a:rPr lang="ko-KR" altLang="en-US" smtClean="0"/>
-              <a:t>2019-06-09</a:t>
+              <a:t>2019-06-10</a:t>
             </a:fld>
             <a:endParaRPr lang="ko-KR" altLang="en-US"/>
           </a:p>
@@ -1436,7 +1435,7 @@
           <p:cNvPr id="6" name="바닥글 개체 틀 5">
             <a:extLst>
               <a:ext uri="{FF2B5EF4-FFF2-40B4-BE49-F238E27FC236}">
-                <a16:creationId xmlns:a16="http://schemas.microsoft.com/office/drawing/2014/main" id="{B6A98555-3E04-4E5D-826D-4103CFAE9C12}"/>
+                <a16:creationId xmlns:a16="http://schemas.microsoft.com/office/drawing/2014/main" xmlns="" id="{B6A98555-3E04-4E5D-826D-4103CFAE9C12}"/>
               </a:ext>
             </a:extLst>
           </p:cNvPr>
@@ -1461,7 +1460,7 @@
           <p:cNvPr id="7" name="슬라이드 번호 개체 틀 6">
             <a:extLst>
               <a:ext uri="{FF2B5EF4-FFF2-40B4-BE49-F238E27FC236}">
-                <a16:creationId xmlns:a16="http://schemas.microsoft.com/office/drawing/2014/main" id="{9C02A64F-477C-46A6-B42F-DD351D945576}"/>
+                <a16:creationId xmlns:a16="http://schemas.microsoft.com/office/drawing/2014/main" xmlns="" id="{9C02A64F-477C-46A6-B42F-DD351D945576}"/>
               </a:ext>
             </a:extLst>
           </p:cNvPr>
@@ -1520,7 +1519,7 @@
           <p:cNvPr id="2" name="제목 1">
             <a:extLst>
               <a:ext uri="{FF2B5EF4-FFF2-40B4-BE49-F238E27FC236}">
-                <a16:creationId xmlns:a16="http://schemas.microsoft.com/office/drawing/2014/main" id="{A0568A3E-DB28-48C6-BD61-59E7EE5D3164}"/>
+                <a16:creationId xmlns:a16="http://schemas.microsoft.com/office/drawing/2014/main" xmlns="" id="{A0568A3E-DB28-48C6-BD61-59E7EE5D3164}"/>
               </a:ext>
             </a:extLst>
           </p:cNvPr>
@@ -1553,7 +1552,7 @@
           <p:cNvPr id="3" name="텍스트 개체 틀 2">
             <a:extLst>
               <a:ext uri="{FF2B5EF4-FFF2-40B4-BE49-F238E27FC236}">
-                <a16:creationId xmlns:a16="http://schemas.microsoft.com/office/drawing/2014/main" id="{35E4DF1B-7728-4238-91EF-64520008C381}"/>
+                <a16:creationId xmlns:a16="http://schemas.microsoft.com/office/drawing/2014/main" xmlns="" id="{35E4DF1B-7728-4238-91EF-64520008C381}"/>
               </a:ext>
             </a:extLst>
           </p:cNvPr>
@@ -1624,7 +1623,7 @@
           <p:cNvPr id="4" name="내용 개체 틀 3">
             <a:extLst>
               <a:ext uri="{FF2B5EF4-FFF2-40B4-BE49-F238E27FC236}">
-                <a16:creationId xmlns:a16="http://schemas.microsoft.com/office/drawing/2014/main" id="{FF40D1DF-FB5D-49BA-A5B4-E0C2EFB77026}"/>
+                <a16:creationId xmlns:a16="http://schemas.microsoft.com/office/drawing/2014/main" xmlns="" id="{FF40D1DF-FB5D-49BA-A5B4-E0C2EFB77026}"/>
               </a:ext>
             </a:extLst>
           </p:cNvPr>
@@ -1686,7 +1685,7 @@
           <p:cNvPr id="5" name="텍스트 개체 틀 4">
             <a:extLst>
               <a:ext uri="{FF2B5EF4-FFF2-40B4-BE49-F238E27FC236}">
-                <a16:creationId xmlns:a16="http://schemas.microsoft.com/office/drawing/2014/main" id="{500CADB4-840E-404C-9D0F-8A3205673C4F}"/>
+                <a16:creationId xmlns:a16="http://schemas.microsoft.com/office/drawing/2014/main" xmlns="" id="{500CADB4-840E-404C-9D0F-8A3205673C4F}"/>
               </a:ext>
             </a:extLst>
           </p:cNvPr>
@@ -1757,7 +1756,7 @@
           <p:cNvPr id="6" name="내용 개체 틀 5">
             <a:extLst>
               <a:ext uri="{FF2B5EF4-FFF2-40B4-BE49-F238E27FC236}">
-                <a16:creationId xmlns:a16="http://schemas.microsoft.com/office/drawing/2014/main" id="{DF3505B8-CBFE-4A48-9383-AF7B947CAEF8}"/>
+                <a16:creationId xmlns:a16="http://schemas.microsoft.com/office/drawing/2014/main" xmlns="" id="{DF3505B8-CBFE-4A48-9383-AF7B947CAEF8}"/>
               </a:ext>
             </a:extLst>
           </p:cNvPr>
@@ -1819,7 +1818,7 @@
           <p:cNvPr id="7" name="날짜 개체 틀 6">
             <a:extLst>
               <a:ext uri="{FF2B5EF4-FFF2-40B4-BE49-F238E27FC236}">
-                <a16:creationId xmlns:a16="http://schemas.microsoft.com/office/drawing/2014/main" id="{5D30EA44-C64C-4E3A-A1F1-EAD781A50849}"/>
+                <a16:creationId xmlns:a16="http://schemas.microsoft.com/office/drawing/2014/main" xmlns="" id="{5D30EA44-C64C-4E3A-A1F1-EAD781A50849}"/>
               </a:ext>
             </a:extLst>
           </p:cNvPr>
@@ -1837,7 +1836,7 @@
           <a:p>
             <a:fld id="{AE419B48-D0D3-4D7D-9FAB-8D95C09D23CB}" type="datetimeFigureOut">
               <a:rPr lang="ko-KR" altLang="en-US" smtClean="0"/>
-              <a:t>2019-06-09</a:t>
+              <a:t>2019-06-10</a:t>
             </a:fld>
             <a:endParaRPr lang="ko-KR" altLang="en-US"/>
           </a:p>
@@ -1848,7 +1847,7 @@
           <p:cNvPr id="8" name="바닥글 개체 틀 7">
             <a:extLst>
               <a:ext uri="{FF2B5EF4-FFF2-40B4-BE49-F238E27FC236}">
-                <a16:creationId xmlns:a16="http://schemas.microsoft.com/office/drawing/2014/main" id="{FFD6B035-5B39-43E5-8D6C-6648FE599E57}"/>
+                <a16:creationId xmlns:a16="http://schemas.microsoft.com/office/drawing/2014/main" xmlns="" id="{FFD6B035-5B39-43E5-8D6C-6648FE599E57}"/>
               </a:ext>
             </a:extLst>
           </p:cNvPr>
@@ -1873,7 +1872,7 @@
           <p:cNvPr id="9" name="슬라이드 번호 개체 틀 8">
             <a:extLst>
               <a:ext uri="{FF2B5EF4-FFF2-40B4-BE49-F238E27FC236}">
-                <a16:creationId xmlns:a16="http://schemas.microsoft.com/office/drawing/2014/main" id="{242D0942-AD62-4388-9624-2F90EA1FDDD5}"/>
+                <a16:creationId xmlns:a16="http://schemas.microsoft.com/office/drawing/2014/main" xmlns="" id="{242D0942-AD62-4388-9624-2F90EA1FDDD5}"/>
               </a:ext>
             </a:extLst>
           </p:cNvPr>
@@ -1932,7 +1931,7 @@
           <p:cNvPr id="2" name="제목 1">
             <a:extLst>
               <a:ext uri="{FF2B5EF4-FFF2-40B4-BE49-F238E27FC236}">
-                <a16:creationId xmlns:a16="http://schemas.microsoft.com/office/drawing/2014/main" id="{006FFAA8-41E0-40F9-9601-C6E7654F90CF}"/>
+                <a16:creationId xmlns:a16="http://schemas.microsoft.com/office/drawing/2014/main" xmlns="" id="{006FFAA8-41E0-40F9-9601-C6E7654F90CF}"/>
               </a:ext>
             </a:extLst>
           </p:cNvPr>
@@ -1960,7 +1959,7 @@
           <p:cNvPr id="3" name="날짜 개체 틀 2">
             <a:extLst>
               <a:ext uri="{FF2B5EF4-FFF2-40B4-BE49-F238E27FC236}">
-                <a16:creationId xmlns:a16="http://schemas.microsoft.com/office/drawing/2014/main" id="{76751F61-D009-474D-AB93-5608678F6D18}"/>
+                <a16:creationId xmlns:a16="http://schemas.microsoft.com/office/drawing/2014/main" xmlns="" id="{76751F61-D009-474D-AB93-5608678F6D18}"/>
               </a:ext>
             </a:extLst>
           </p:cNvPr>
@@ -1978,7 +1977,7 @@
           <a:p>
             <a:fld id="{AE419B48-D0D3-4D7D-9FAB-8D95C09D23CB}" type="datetimeFigureOut">
               <a:rPr lang="ko-KR" altLang="en-US" smtClean="0"/>
-              <a:t>2019-06-09</a:t>
+              <a:t>2019-06-10</a:t>
             </a:fld>
             <a:endParaRPr lang="ko-KR" altLang="en-US"/>
           </a:p>
@@ -1989,7 +1988,7 @@
           <p:cNvPr id="4" name="바닥글 개체 틀 3">
             <a:extLst>
               <a:ext uri="{FF2B5EF4-FFF2-40B4-BE49-F238E27FC236}">
-                <a16:creationId xmlns:a16="http://schemas.microsoft.com/office/drawing/2014/main" id="{72866F10-5DBC-44E0-BCFE-401E5537B7FD}"/>
+                <a16:creationId xmlns:a16="http://schemas.microsoft.com/office/drawing/2014/main" xmlns="" id="{72866F10-5DBC-44E0-BCFE-401E5537B7FD}"/>
               </a:ext>
             </a:extLst>
           </p:cNvPr>
@@ -2014,7 +2013,7 @@
           <p:cNvPr id="5" name="슬라이드 번호 개체 틀 4">
             <a:extLst>
               <a:ext uri="{FF2B5EF4-FFF2-40B4-BE49-F238E27FC236}">
-                <a16:creationId xmlns:a16="http://schemas.microsoft.com/office/drawing/2014/main" id="{4A0F1D5C-0511-4F6D-9CE0-4F72A34E593B}"/>
+                <a16:creationId xmlns:a16="http://schemas.microsoft.com/office/drawing/2014/main" xmlns="" id="{4A0F1D5C-0511-4F6D-9CE0-4F72A34E593B}"/>
               </a:ext>
             </a:extLst>
           </p:cNvPr>
@@ -2073,7 +2072,7 @@
           <p:cNvPr id="2" name="날짜 개체 틀 1">
             <a:extLst>
               <a:ext uri="{FF2B5EF4-FFF2-40B4-BE49-F238E27FC236}">
-                <a16:creationId xmlns:a16="http://schemas.microsoft.com/office/drawing/2014/main" id="{6B742C07-5D13-4066-8750-AF49844A9A68}"/>
+                <a16:creationId xmlns:a16="http://schemas.microsoft.com/office/drawing/2014/main" xmlns="" id="{6B742C07-5D13-4066-8750-AF49844A9A68}"/>
               </a:ext>
             </a:extLst>
           </p:cNvPr>
@@ -2091,7 +2090,7 @@
           <a:p>
             <a:fld id="{AE419B48-D0D3-4D7D-9FAB-8D95C09D23CB}" type="datetimeFigureOut">
               <a:rPr lang="ko-KR" altLang="en-US" smtClean="0"/>
-              <a:t>2019-06-09</a:t>
+              <a:t>2019-06-10</a:t>
             </a:fld>
             <a:endParaRPr lang="ko-KR" altLang="en-US"/>
           </a:p>
@@ -2102,7 +2101,7 @@
           <p:cNvPr id="3" name="바닥글 개체 틀 2">
             <a:extLst>
               <a:ext uri="{FF2B5EF4-FFF2-40B4-BE49-F238E27FC236}">
-                <a16:creationId xmlns:a16="http://schemas.microsoft.com/office/drawing/2014/main" id="{09A55A61-18C6-4FB9-BD10-F6A53F065FC9}"/>
+                <a16:creationId xmlns:a16="http://schemas.microsoft.com/office/drawing/2014/main" xmlns="" id="{09A55A61-18C6-4FB9-BD10-F6A53F065FC9}"/>
               </a:ext>
             </a:extLst>
           </p:cNvPr>
@@ -2127,7 +2126,7 @@
           <p:cNvPr id="4" name="슬라이드 번호 개체 틀 3">
             <a:extLst>
               <a:ext uri="{FF2B5EF4-FFF2-40B4-BE49-F238E27FC236}">
-                <a16:creationId xmlns:a16="http://schemas.microsoft.com/office/drawing/2014/main" id="{4D0774A9-97DF-4BA9-81DB-AB98075A2858}"/>
+                <a16:creationId xmlns:a16="http://schemas.microsoft.com/office/drawing/2014/main" xmlns="" id="{4D0774A9-97DF-4BA9-81DB-AB98075A2858}"/>
               </a:ext>
             </a:extLst>
           </p:cNvPr>
@@ -2186,7 +2185,7 @@
           <p:cNvPr id="2" name="제목 1">
             <a:extLst>
               <a:ext uri="{FF2B5EF4-FFF2-40B4-BE49-F238E27FC236}">
-                <a16:creationId xmlns:a16="http://schemas.microsoft.com/office/drawing/2014/main" id="{6EB2F1ED-B309-4824-AEE6-F3F4D3B69E45}"/>
+                <a16:creationId xmlns:a16="http://schemas.microsoft.com/office/drawing/2014/main" xmlns="" id="{6EB2F1ED-B309-4824-AEE6-F3F4D3B69E45}"/>
               </a:ext>
             </a:extLst>
           </p:cNvPr>
@@ -2223,7 +2222,7 @@
           <p:cNvPr id="3" name="내용 개체 틀 2">
             <a:extLst>
               <a:ext uri="{FF2B5EF4-FFF2-40B4-BE49-F238E27FC236}">
-                <a16:creationId xmlns:a16="http://schemas.microsoft.com/office/drawing/2014/main" id="{8E36C03C-CAD4-4635-A317-7FC26A78DBD6}"/>
+                <a16:creationId xmlns:a16="http://schemas.microsoft.com/office/drawing/2014/main" xmlns="" id="{8E36C03C-CAD4-4635-A317-7FC26A78DBD6}"/>
               </a:ext>
             </a:extLst>
           </p:cNvPr>
@@ -2313,7 +2312,7 @@
           <p:cNvPr id="4" name="텍스트 개체 틀 3">
             <a:extLst>
               <a:ext uri="{FF2B5EF4-FFF2-40B4-BE49-F238E27FC236}">
-                <a16:creationId xmlns:a16="http://schemas.microsoft.com/office/drawing/2014/main" id="{0874C609-A140-4236-B09A-4346712154B0}"/>
+                <a16:creationId xmlns:a16="http://schemas.microsoft.com/office/drawing/2014/main" xmlns="" id="{0874C609-A140-4236-B09A-4346712154B0}"/>
               </a:ext>
             </a:extLst>
           </p:cNvPr>
@@ -2384,7 +2383,7 @@
           <p:cNvPr id="5" name="날짜 개체 틀 4">
             <a:extLst>
               <a:ext uri="{FF2B5EF4-FFF2-40B4-BE49-F238E27FC236}">
-                <a16:creationId xmlns:a16="http://schemas.microsoft.com/office/drawing/2014/main" id="{262F4D51-BE6C-40FC-B946-0B39CA86D006}"/>
+                <a16:creationId xmlns:a16="http://schemas.microsoft.com/office/drawing/2014/main" xmlns="" id="{262F4D51-BE6C-40FC-B946-0B39CA86D006}"/>
               </a:ext>
             </a:extLst>
           </p:cNvPr>
@@ -2402,7 +2401,7 @@
           <a:p>
             <a:fld id="{AE419B48-D0D3-4D7D-9FAB-8D95C09D23CB}" type="datetimeFigureOut">
               <a:rPr lang="ko-KR" altLang="en-US" smtClean="0"/>
-              <a:t>2019-06-09</a:t>
+              <a:t>2019-06-10</a:t>
             </a:fld>
             <a:endParaRPr lang="ko-KR" altLang="en-US"/>
           </a:p>
@@ -2413,7 +2412,7 @@
           <p:cNvPr id="6" name="바닥글 개체 틀 5">
             <a:extLst>
               <a:ext uri="{FF2B5EF4-FFF2-40B4-BE49-F238E27FC236}">
-                <a16:creationId xmlns:a16="http://schemas.microsoft.com/office/drawing/2014/main" id="{83F7E87F-E837-486D-971F-F9FD620EC2CB}"/>
+                <a16:creationId xmlns:a16="http://schemas.microsoft.com/office/drawing/2014/main" xmlns="" id="{83F7E87F-E837-486D-971F-F9FD620EC2CB}"/>
               </a:ext>
             </a:extLst>
           </p:cNvPr>
@@ -2438,7 +2437,7 @@
           <p:cNvPr id="7" name="슬라이드 번호 개체 틀 6">
             <a:extLst>
               <a:ext uri="{FF2B5EF4-FFF2-40B4-BE49-F238E27FC236}">
-                <a16:creationId xmlns:a16="http://schemas.microsoft.com/office/drawing/2014/main" id="{E55DB6EC-85CF-40D3-9459-D1468A263A10}"/>
+                <a16:creationId xmlns:a16="http://schemas.microsoft.com/office/drawing/2014/main" xmlns="" id="{E55DB6EC-85CF-40D3-9459-D1468A263A10}"/>
               </a:ext>
             </a:extLst>
           </p:cNvPr>
@@ -2497,7 +2496,7 @@
           <p:cNvPr id="2" name="제목 1">
             <a:extLst>
               <a:ext uri="{FF2B5EF4-FFF2-40B4-BE49-F238E27FC236}">
-                <a16:creationId xmlns:a16="http://schemas.microsoft.com/office/drawing/2014/main" id="{E60ACE32-F1EB-4D11-A304-806361521372}"/>
+                <a16:creationId xmlns:a16="http://schemas.microsoft.com/office/drawing/2014/main" xmlns="" id="{E60ACE32-F1EB-4D11-A304-806361521372}"/>
               </a:ext>
             </a:extLst>
           </p:cNvPr>
@@ -2534,7 +2533,7 @@
           <p:cNvPr id="3" name="그림 개체 틀 2">
             <a:extLst>
               <a:ext uri="{FF2B5EF4-FFF2-40B4-BE49-F238E27FC236}">
-                <a16:creationId xmlns:a16="http://schemas.microsoft.com/office/drawing/2014/main" id="{9FD3C9B4-559E-49BB-BE94-6B5D1BBEBAF9}"/>
+                <a16:creationId xmlns:a16="http://schemas.microsoft.com/office/drawing/2014/main" xmlns="" id="{9FD3C9B4-559E-49BB-BE94-6B5D1BBEBAF9}"/>
               </a:ext>
             </a:extLst>
           </p:cNvPr>
@@ -2601,7 +2600,7 @@
           <p:cNvPr id="4" name="텍스트 개체 틀 3">
             <a:extLst>
               <a:ext uri="{FF2B5EF4-FFF2-40B4-BE49-F238E27FC236}">
-                <a16:creationId xmlns:a16="http://schemas.microsoft.com/office/drawing/2014/main" id="{0A6FEB7A-4084-41E9-9F74-1DCE33CF5A28}"/>
+                <a16:creationId xmlns:a16="http://schemas.microsoft.com/office/drawing/2014/main" xmlns="" id="{0A6FEB7A-4084-41E9-9F74-1DCE33CF5A28}"/>
               </a:ext>
             </a:extLst>
           </p:cNvPr>
@@ -2672,7 +2671,7 @@
           <p:cNvPr id="5" name="날짜 개체 틀 4">
             <a:extLst>
               <a:ext uri="{FF2B5EF4-FFF2-40B4-BE49-F238E27FC236}">
-                <a16:creationId xmlns:a16="http://schemas.microsoft.com/office/drawing/2014/main" id="{5666F6E8-3DD5-4CF5-A16F-55AFD7B1D7EC}"/>
+                <a16:creationId xmlns:a16="http://schemas.microsoft.com/office/drawing/2014/main" xmlns="" id="{5666F6E8-3DD5-4CF5-A16F-55AFD7B1D7EC}"/>
               </a:ext>
             </a:extLst>
           </p:cNvPr>
@@ -2690,7 +2689,7 @@
           <a:p>
             <a:fld id="{AE419B48-D0D3-4D7D-9FAB-8D95C09D23CB}" type="datetimeFigureOut">
               <a:rPr lang="ko-KR" altLang="en-US" smtClean="0"/>
-              <a:t>2019-06-09</a:t>
+              <a:t>2019-06-10</a:t>
             </a:fld>
             <a:endParaRPr lang="ko-KR" altLang="en-US"/>
           </a:p>
@@ -2701,7 +2700,7 @@
           <p:cNvPr id="6" name="바닥글 개체 틀 5">
             <a:extLst>
               <a:ext uri="{FF2B5EF4-FFF2-40B4-BE49-F238E27FC236}">
-                <a16:creationId xmlns:a16="http://schemas.microsoft.com/office/drawing/2014/main" id="{E3B2EEE5-619A-4781-A10C-8EC50E060EB1}"/>
+                <a16:creationId xmlns:a16="http://schemas.microsoft.com/office/drawing/2014/main" xmlns="" id="{E3B2EEE5-619A-4781-A10C-8EC50E060EB1}"/>
               </a:ext>
             </a:extLst>
           </p:cNvPr>
@@ -2726,7 +2725,7 @@
           <p:cNvPr id="7" name="슬라이드 번호 개체 틀 6">
             <a:extLst>
               <a:ext uri="{FF2B5EF4-FFF2-40B4-BE49-F238E27FC236}">
-                <a16:creationId xmlns:a16="http://schemas.microsoft.com/office/drawing/2014/main" id="{9DEE0E33-9618-4EB3-B390-AE941649D83C}"/>
+                <a16:creationId xmlns:a16="http://schemas.microsoft.com/office/drawing/2014/main" xmlns="" id="{9DEE0E33-9618-4EB3-B390-AE941649D83C}"/>
               </a:ext>
             </a:extLst>
           </p:cNvPr>
@@ -2790,7 +2789,7 @@
           <p:cNvPr id="2" name="제목 개체 틀 1">
             <a:extLst>
               <a:ext uri="{FF2B5EF4-FFF2-40B4-BE49-F238E27FC236}">
-                <a16:creationId xmlns:a16="http://schemas.microsoft.com/office/drawing/2014/main" id="{447D6C40-12AC-4951-A824-3ADEA497956C}"/>
+                <a16:creationId xmlns:a16="http://schemas.microsoft.com/office/drawing/2014/main" xmlns="" id="{447D6C40-12AC-4951-A824-3ADEA497956C}"/>
               </a:ext>
             </a:extLst>
           </p:cNvPr>
@@ -2828,7 +2827,7 @@
           <p:cNvPr id="3" name="텍스트 개체 틀 2">
             <a:extLst>
               <a:ext uri="{FF2B5EF4-FFF2-40B4-BE49-F238E27FC236}">
-                <a16:creationId xmlns:a16="http://schemas.microsoft.com/office/drawing/2014/main" id="{D0F86020-43EF-4F2E-AAD6-90840F07509C}"/>
+                <a16:creationId xmlns:a16="http://schemas.microsoft.com/office/drawing/2014/main" xmlns="" id="{D0F86020-43EF-4F2E-AAD6-90840F07509C}"/>
               </a:ext>
             </a:extLst>
           </p:cNvPr>
@@ -2895,7 +2894,7 @@
           <p:cNvPr id="4" name="날짜 개체 틀 3">
             <a:extLst>
               <a:ext uri="{FF2B5EF4-FFF2-40B4-BE49-F238E27FC236}">
-                <a16:creationId xmlns:a16="http://schemas.microsoft.com/office/drawing/2014/main" id="{0078093C-E2C6-4FE3-8256-7906926BE4D3}"/>
+                <a16:creationId xmlns:a16="http://schemas.microsoft.com/office/drawing/2014/main" xmlns="" id="{0078093C-E2C6-4FE3-8256-7906926BE4D3}"/>
               </a:ext>
             </a:extLst>
           </p:cNvPr>
@@ -2931,7 +2930,7 @@
           <a:p>
             <a:fld id="{AE419B48-D0D3-4D7D-9FAB-8D95C09D23CB}" type="datetimeFigureOut">
               <a:rPr lang="ko-KR" altLang="en-US" smtClean="0"/>
-              <a:t>2019-06-09</a:t>
+              <a:t>2019-06-10</a:t>
             </a:fld>
             <a:endParaRPr lang="ko-KR" altLang="en-US"/>
           </a:p>
@@ -2942,7 +2941,7 @@
           <p:cNvPr id="5" name="바닥글 개체 틀 4">
             <a:extLst>
               <a:ext uri="{FF2B5EF4-FFF2-40B4-BE49-F238E27FC236}">
-                <a16:creationId xmlns:a16="http://schemas.microsoft.com/office/drawing/2014/main" id="{6F0C21B6-613C-47AD-88F5-8AD6A2DB600F}"/>
+                <a16:creationId xmlns:a16="http://schemas.microsoft.com/office/drawing/2014/main" xmlns="" id="{6F0C21B6-613C-47AD-88F5-8AD6A2DB600F}"/>
               </a:ext>
             </a:extLst>
           </p:cNvPr>
@@ -2985,7 +2984,7 @@
           <p:cNvPr id="6" name="슬라이드 번호 개체 틀 5">
             <a:extLst>
               <a:ext uri="{FF2B5EF4-FFF2-40B4-BE49-F238E27FC236}">
-                <a16:creationId xmlns:a16="http://schemas.microsoft.com/office/drawing/2014/main" id="{AD7AE899-F5EF-49DA-A03D-3A82CC1ED8F1}"/>
+                <a16:creationId xmlns:a16="http://schemas.microsoft.com/office/drawing/2014/main" xmlns="" id="{AD7AE899-F5EF-49DA-A03D-3A82CC1ED8F1}"/>
               </a:ext>
             </a:extLst>
           </p:cNvPr>
@@ -3361,7 +3360,7 @@
           <p:cNvPr id="4" name="그림 3">
             <a:extLst>
               <a:ext uri="{FF2B5EF4-FFF2-40B4-BE49-F238E27FC236}">
-                <a16:creationId xmlns:a16="http://schemas.microsoft.com/office/drawing/2014/main" id="{C33CF5E5-00A8-4A8F-AB1B-B52FAEA6E66D}"/>
+                <a16:creationId xmlns:a16="http://schemas.microsoft.com/office/drawing/2014/main" xmlns="" id="{C33CF5E5-00A8-4A8F-AB1B-B52FAEA6E66D}"/>
               </a:ext>
             </a:extLst>
           </p:cNvPr>
@@ -3390,10 +3389,10 @@
           <p:cNvPr id="9" name="Freeform 5">
             <a:extLst>
               <a:ext uri="{FF2B5EF4-FFF2-40B4-BE49-F238E27FC236}">
-                <a16:creationId xmlns:a16="http://schemas.microsoft.com/office/drawing/2014/main" id="{87CC2527-562A-4F69-B487-4371E5B243E7}"/>
+                <a16:creationId xmlns:a16="http://schemas.microsoft.com/office/drawing/2014/main" xmlns="" id="{87CC2527-562A-4F69-B487-4371E5B243E7}"/>
               </a:ext>
               <a:ext uri="{C183D7F6-B498-43B3-948B-1728B52AA6E4}">
-                <adec:decorative xmlns:adec="http://schemas.microsoft.com/office/drawing/2017/decorative" val="1"/>
+                <adec:decorative xmlns:adec="http://schemas.microsoft.com/office/drawing/2017/decorative" xmlns="" val="1"/>
               </a:ext>
             </a:extLst>
           </p:cNvPr>
@@ -3403,7 +3402,7 @@
           <p:nvPr>
             <p:extLst>
               <p:ext uri="{386F3935-93C4-4BCD-93E2-E3B085C9AB24}">
-                <p16:designElem xmlns:p16="http://schemas.microsoft.com/office/powerpoint/2015/main" val="1"/>
+                <p16:designElem xmlns:p16="http://schemas.microsoft.com/office/powerpoint/2015/main" xmlns="" val="1"/>
               </p:ext>
             </p:extLst>
           </p:nvPr>
@@ -3532,7 +3531,7 @@
           <p:cNvPr id="2" name="제목 1">
             <a:extLst>
               <a:ext uri="{FF2B5EF4-FFF2-40B4-BE49-F238E27FC236}">
-                <a16:creationId xmlns:a16="http://schemas.microsoft.com/office/drawing/2014/main" id="{473491BD-7998-4E67-A463-033D7B91DF46}"/>
+                <a16:creationId xmlns:a16="http://schemas.microsoft.com/office/drawing/2014/main" xmlns="" id="{473491BD-7998-4E67-A463-033D7B91DF46}"/>
               </a:ext>
             </a:extLst>
           </p:cNvPr>
@@ -3559,6 +3558,10 @@
               <a:rPr lang="en-US" altLang="ko-KR" sz="5000" dirty="0"/>
               <a:t>Statistics</a:t>
             </a:r>
+            <a:r>
+              <a:rPr lang="en-US" altLang="ko-KR" sz="4000" dirty="0"/>
+              <a:t/>
+            </a:r>
             <a:br>
               <a:rPr lang="en-US" altLang="ko-KR" sz="4000" dirty="0"/>
             </a:br>
@@ -3571,10 +3574,10 @@
           <p:cNvPr id="11" name="Straight Connector 10">
             <a:extLst>
               <a:ext uri="{FF2B5EF4-FFF2-40B4-BE49-F238E27FC236}">
-                <a16:creationId xmlns:a16="http://schemas.microsoft.com/office/drawing/2014/main" id="{BCDAEC91-5BCE-4B55-9CC0-43EF94CB734B}"/>
+                <a16:creationId xmlns:a16="http://schemas.microsoft.com/office/drawing/2014/main" xmlns="" id="{BCDAEC91-5BCE-4B55-9CC0-43EF94CB734B}"/>
               </a:ext>
               <a:ext uri="{C183D7F6-B498-43B3-948B-1728B52AA6E4}">
-                <adec:decorative xmlns:adec="http://schemas.microsoft.com/office/drawing/2017/decorative" val="1"/>
+                <adec:decorative xmlns:adec="http://schemas.microsoft.com/office/drawing/2017/decorative" xmlns="" val="1"/>
               </a:ext>
             </a:extLst>
           </p:cNvPr>
@@ -3584,7 +3587,7 @@
           <p:nvPr>
             <p:extLst>
               <p:ext uri="{386F3935-93C4-4BCD-93E2-E3B085C9AB24}">
-                <p16:designElem xmlns:p16="http://schemas.microsoft.com/office/powerpoint/2015/main" val="1"/>
+                <p16:designElem xmlns:p16="http://schemas.microsoft.com/office/powerpoint/2015/main" xmlns="" val="1"/>
               </p:ext>
             </p:extLst>
           </p:nvPr>
@@ -3657,7 +3660,7 @@
           <p:cNvPr id="8" name="그림 7">
             <a:extLst>
               <a:ext uri="{FF2B5EF4-FFF2-40B4-BE49-F238E27FC236}">
-                <a16:creationId xmlns:a16="http://schemas.microsoft.com/office/drawing/2014/main" id="{18F65D60-A4FB-4A01-8891-BD06B1093BD7}"/>
+                <a16:creationId xmlns:a16="http://schemas.microsoft.com/office/drawing/2014/main" xmlns="" id="{18F65D60-A4FB-4A01-8891-BD06B1093BD7}"/>
               </a:ext>
             </a:extLst>
           </p:cNvPr>
@@ -3687,7 +3690,7 @@
           <p:cNvPr id="9" name="TextBox 8">
             <a:extLst>
               <a:ext uri="{FF2B5EF4-FFF2-40B4-BE49-F238E27FC236}">
-                <a16:creationId xmlns:a16="http://schemas.microsoft.com/office/drawing/2014/main" id="{E973CA19-A9A7-48DC-9C8E-38D53B823CF1}"/>
+                <a16:creationId xmlns:a16="http://schemas.microsoft.com/office/drawing/2014/main" xmlns="" id="{E973CA19-A9A7-48DC-9C8E-38D53B823CF1}"/>
               </a:ext>
             </a:extLst>
           </p:cNvPr>
@@ -3718,14 +3721,14 @@
           </a:p>
         </p:txBody>
       </p:sp>
-      <mc:AlternateContent xmlns:mc="http://schemas.openxmlformats.org/markup-compatibility/2006">
-        <mc:Choice xmlns:a14="http://schemas.microsoft.com/office/drawing/2010/main" Requires="a14">
+      <mc:AlternateContent xmlns:mc="http://schemas.openxmlformats.org/markup-compatibility/2006" xmlns:a14="http://schemas.microsoft.com/office/drawing/2010/main">
+        <mc:Choice Requires="a14">
           <p:sp>
             <p:nvSpPr>
               <p:cNvPr id="10" name="제목 1">
                 <a:extLst>
                   <a:ext uri="{FF2B5EF4-FFF2-40B4-BE49-F238E27FC236}">
-                    <a16:creationId xmlns:a16="http://schemas.microsoft.com/office/drawing/2014/main" id="{E8E226BF-1E59-42E7-A066-8F07FF022153}"/>
+                    <a16:creationId xmlns:a16="http://schemas.microsoft.com/office/drawing/2014/main" xmlns="" id="{E8E226BF-1E59-42E7-A066-8F07FF022153}"/>
                   </a:ext>
                 </a:extLst>
               </p:cNvPr>
@@ -3769,7 +3772,7 @@
             </p:txBody>
           </p:sp>
         </mc:Choice>
-        <mc:Fallback>
+        <mc:Fallback xmlns="">
           <p:sp>
             <p:nvSpPr>
               <p:cNvPr id="10" name="제목 1">
@@ -3848,7 +3851,7 @@
           <p:cNvPr id="2" name="그림 1">
             <a:extLst>
               <a:ext uri="{FF2B5EF4-FFF2-40B4-BE49-F238E27FC236}">
-                <a16:creationId xmlns:a16="http://schemas.microsoft.com/office/drawing/2014/main" id="{C4A1EFAF-6390-4B73-B1B7-4D25EC746A27}"/>
+                <a16:creationId xmlns:a16="http://schemas.microsoft.com/office/drawing/2014/main" xmlns="" id="{C4A1EFAF-6390-4B73-B1B7-4D25EC746A27}"/>
               </a:ext>
             </a:extLst>
           </p:cNvPr>
@@ -3878,7 +3881,7 @@
           <p:cNvPr id="4" name="TextBox 3">
             <a:extLst>
               <a:ext uri="{FF2B5EF4-FFF2-40B4-BE49-F238E27FC236}">
-                <a16:creationId xmlns:a16="http://schemas.microsoft.com/office/drawing/2014/main" id="{4593565F-8A5E-4BBE-888D-CE313DA4677F}"/>
+                <a16:creationId xmlns:a16="http://schemas.microsoft.com/office/drawing/2014/main" xmlns="" id="{4593565F-8A5E-4BBE-888D-CE313DA4677F}"/>
               </a:ext>
             </a:extLst>
           </p:cNvPr>
@@ -3909,14 +3912,14 @@
           </a:p>
         </p:txBody>
       </p:sp>
-      <mc:AlternateContent xmlns:mc="http://schemas.openxmlformats.org/markup-compatibility/2006">
-        <mc:Choice xmlns:a14="http://schemas.microsoft.com/office/drawing/2010/main" Requires="a14">
+      <mc:AlternateContent xmlns:mc="http://schemas.openxmlformats.org/markup-compatibility/2006" xmlns:a14="http://schemas.microsoft.com/office/drawing/2010/main">
+        <mc:Choice Requires="a14">
           <p:sp>
             <p:nvSpPr>
               <p:cNvPr id="5" name="제목 1">
                 <a:extLst>
                   <a:ext uri="{FF2B5EF4-FFF2-40B4-BE49-F238E27FC236}">
-                    <a16:creationId xmlns:a16="http://schemas.microsoft.com/office/drawing/2014/main" id="{7CCDA63C-D554-4525-B12F-3AA21F338FF8}"/>
+                    <a16:creationId xmlns:a16="http://schemas.microsoft.com/office/drawing/2014/main" xmlns="" id="{7CCDA63C-D554-4525-B12F-3AA21F338FF8}"/>
                   </a:ext>
                 </a:extLst>
               </p:cNvPr>
@@ -3960,7 +3963,7 @@
             </p:txBody>
           </p:sp>
         </mc:Choice>
-        <mc:Fallback>
+        <mc:Fallback xmlns="">
           <p:sp>
             <p:nvSpPr>
               <p:cNvPr id="5" name="제목 1">
@@ -4039,7 +4042,7 @@
           <p:cNvPr id="8" name="그림 7">
             <a:extLst>
               <a:ext uri="{FF2B5EF4-FFF2-40B4-BE49-F238E27FC236}">
-                <a16:creationId xmlns:a16="http://schemas.microsoft.com/office/drawing/2014/main" id="{18F65D60-A4FB-4A01-8891-BD06B1093BD7}"/>
+                <a16:creationId xmlns:a16="http://schemas.microsoft.com/office/drawing/2014/main" xmlns="" id="{18F65D60-A4FB-4A01-8891-BD06B1093BD7}"/>
               </a:ext>
             </a:extLst>
           </p:cNvPr>
@@ -4069,7 +4072,7 @@
           <p:cNvPr id="2" name="그림 1">
             <a:extLst>
               <a:ext uri="{FF2B5EF4-FFF2-40B4-BE49-F238E27FC236}">
-                <a16:creationId xmlns:a16="http://schemas.microsoft.com/office/drawing/2014/main" id="{BFBE644C-F1E7-4880-BB62-A847C0680C0F}"/>
+                <a16:creationId xmlns:a16="http://schemas.microsoft.com/office/drawing/2014/main" xmlns="" id="{BFBE644C-F1E7-4880-BB62-A847C0680C0F}"/>
               </a:ext>
             </a:extLst>
           </p:cNvPr>
@@ -4099,7 +4102,7 @@
           <p:cNvPr id="4" name="TextBox 3">
             <a:extLst>
               <a:ext uri="{FF2B5EF4-FFF2-40B4-BE49-F238E27FC236}">
-                <a16:creationId xmlns:a16="http://schemas.microsoft.com/office/drawing/2014/main" id="{5503BD3E-781C-4AA9-ADF5-1E764A49564A}"/>
+                <a16:creationId xmlns:a16="http://schemas.microsoft.com/office/drawing/2014/main" xmlns="" id="{5503BD3E-781C-4AA9-ADF5-1E764A49564A}"/>
               </a:ext>
             </a:extLst>
           </p:cNvPr>
@@ -4130,14 +4133,14 @@
           </a:p>
         </p:txBody>
       </p:sp>
-      <mc:AlternateContent xmlns:mc="http://schemas.openxmlformats.org/markup-compatibility/2006">
-        <mc:Choice xmlns:a14="http://schemas.microsoft.com/office/drawing/2010/main" Requires="a14">
+      <mc:AlternateContent xmlns:mc="http://schemas.openxmlformats.org/markup-compatibility/2006" xmlns:a14="http://schemas.microsoft.com/office/drawing/2010/main">
+        <mc:Choice Requires="a14">
           <p:sp>
             <p:nvSpPr>
               <p:cNvPr id="5" name="제목 1">
                 <a:extLst>
                   <a:ext uri="{FF2B5EF4-FFF2-40B4-BE49-F238E27FC236}">
-                    <a16:creationId xmlns:a16="http://schemas.microsoft.com/office/drawing/2014/main" id="{AEF5A20E-383C-4360-B2F1-78BB03898CC0}"/>
+                    <a16:creationId xmlns:a16="http://schemas.microsoft.com/office/drawing/2014/main" xmlns="" id="{AEF5A20E-383C-4360-B2F1-78BB03898CC0}"/>
                   </a:ext>
                 </a:extLst>
               </p:cNvPr>
@@ -4181,7 +4184,7 @@
             </p:txBody>
           </p:sp>
         </mc:Choice>
-        <mc:Fallback>
+        <mc:Fallback xmlns="">
           <p:sp>
             <p:nvSpPr>
               <p:cNvPr id="5" name="제목 1">
@@ -4255,14 +4258,14 @@
           <a:chExt cx="0" cy="0"/>
         </a:xfrm>
       </p:grpSpPr>
-      <mc:AlternateContent xmlns:mc="http://schemas.openxmlformats.org/markup-compatibility/2006">
-        <mc:Choice xmlns:a14="http://schemas.microsoft.com/office/drawing/2010/main" Requires="a14">
+      <mc:AlternateContent xmlns:mc="http://schemas.openxmlformats.org/markup-compatibility/2006" xmlns:a14="http://schemas.microsoft.com/office/drawing/2010/main">
+        <mc:Choice Requires="a14">
           <p:sp>
             <p:nvSpPr>
               <p:cNvPr id="5" name="제목 1">
                 <a:extLst>
                   <a:ext uri="{FF2B5EF4-FFF2-40B4-BE49-F238E27FC236}">
-                    <a16:creationId xmlns:a16="http://schemas.microsoft.com/office/drawing/2014/main" id="{AEF5A20E-383C-4360-B2F1-78BB03898CC0}"/>
+                    <a16:creationId xmlns:a16="http://schemas.microsoft.com/office/drawing/2014/main" xmlns="" id="{AEF5A20E-383C-4360-B2F1-78BB03898CC0}"/>
                   </a:ext>
                 </a:extLst>
               </p:cNvPr>
@@ -4306,7 +4309,7 @@
             </p:txBody>
           </p:sp>
         </mc:Choice>
-        <mc:Fallback>
+        <mc:Fallback xmlns="">
           <p:sp>
             <p:nvSpPr>
               <p:cNvPr id="5" name="제목 1">
@@ -4355,7 +4358,7 @@
           <p:cNvPr id="3" name="TextBox 2">
             <a:extLst>
               <a:ext uri="{FF2B5EF4-FFF2-40B4-BE49-F238E27FC236}">
-                <a16:creationId xmlns:a16="http://schemas.microsoft.com/office/drawing/2014/main" id="{9D2DCA13-BF26-4F5D-9B0A-B1E4E524855A}"/>
+                <a16:creationId xmlns:a16="http://schemas.microsoft.com/office/drawing/2014/main" xmlns="" id="{9D2DCA13-BF26-4F5D-9B0A-B1E4E524855A}"/>
               </a:ext>
             </a:extLst>
           </p:cNvPr>
@@ -4405,7 +4408,7 @@
           <p:cNvPr id="6" name="그림 5">
             <a:extLst>
               <a:ext uri="{FF2B5EF4-FFF2-40B4-BE49-F238E27FC236}">
-                <a16:creationId xmlns:a16="http://schemas.microsoft.com/office/drawing/2014/main" id="{7C79C2F5-BCCA-4B6D-AF2B-05337B5ECDDA}"/>
+                <a16:creationId xmlns:a16="http://schemas.microsoft.com/office/drawing/2014/main" xmlns="" id="{7C79C2F5-BCCA-4B6D-AF2B-05337B5ECDDA}"/>
               </a:ext>
             </a:extLst>
           </p:cNvPr>
@@ -4460,14 +4463,14 @@
           <a:chExt cx="0" cy="0"/>
         </a:xfrm>
       </p:grpSpPr>
-      <mc:AlternateContent xmlns:mc="http://schemas.openxmlformats.org/markup-compatibility/2006">
-        <mc:Choice xmlns:a14="http://schemas.microsoft.com/office/drawing/2010/main" Requires="a14">
+      <mc:AlternateContent xmlns:mc="http://schemas.openxmlformats.org/markup-compatibility/2006" xmlns:a14="http://schemas.microsoft.com/office/drawing/2010/main">
+        <mc:Choice Requires="a14">
           <p:sp>
             <p:nvSpPr>
               <p:cNvPr id="5" name="제목 1">
                 <a:extLst>
                   <a:ext uri="{FF2B5EF4-FFF2-40B4-BE49-F238E27FC236}">
-                    <a16:creationId xmlns:a16="http://schemas.microsoft.com/office/drawing/2014/main" id="{AEF5A20E-383C-4360-B2F1-78BB03898CC0}"/>
+                    <a16:creationId xmlns:a16="http://schemas.microsoft.com/office/drawing/2014/main" xmlns="" id="{AEF5A20E-383C-4360-B2F1-78BB03898CC0}"/>
                   </a:ext>
                 </a:extLst>
               </p:cNvPr>
@@ -4506,7 +4509,7 @@
             </p:txBody>
           </p:sp>
         </mc:Choice>
-        <mc:Fallback>
+        <mc:Fallback xmlns="">
           <p:sp>
             <p:nvSpPr>
               <p:cNvPr id="5" name="제목 1">
@@ -4550,14 +4553,14 @@
           </p:sp>
         </mc:Fallback>
       </mc:AlternateContent>
-      <mc:AlternateContent xmlns:mc="http://schemas.openxmlformats.org/markup-compatibility/2006">
-        <mc:Choice xmlns:a14="http://schemas.microsoft.com/office/drawing/2010/main" Requires="a14">
+      <mc:AlternateContent xmlns:mc="http://schemas.openxmlformats.org/markup-compatibility/2006" xmlns:a14="http://schemas.microsoft.com/office/drawing/2010/main">
+        <mc:Choice Requires="a14">
           <p:sp>
             <p:nvSpPr>
               <p:cNvPr id="7" name="내용 개체 틀 5">
                 <a:extLst>
                   <a:ext uri="{FF2B5EF4-FFF2-40B4-BE49-F238E27FC236}">
-                    <a16:creationId xmlns:a16="http://schemas.microsoft.com/office/drawing/2014/main" id="{04D0286F-8774-49A9-B25F-16B79CD665B4}"/>
+                    <a16:creationId xmlns:a16="http://schemas.microsoft.com/office/drawing/2014/main" xmlns="" id="{04D0286F-8774-49A9-B25F-16B79CD665B4}"/>
                   </a:ext>
                 </a:extLst>
               </p:cNvPr>
@@ -4685,7 +4688,7 @@
                       <m:dPr>
                         <m:ctrlPr>
                           <a:rPr lang="ko-KR" altLang="en-US" i="1" smtClean="0">
-                            <a:latin typeface="Cambria Math" panose="02040503050406030204" pitchFamily="18" charset="0"/>
+                            <a:latin typeface="Cambria Math"/>
                           </a:rPr>
                         </m:ctrlPr>
                       </m:dPr>
@@ -4708,7 +4711,7 @@
                       <m:fPr>
                         <m:ctrlPr>
                           <a:rPr lang="ko-KR" altLang="en-US" i="1" smtClean="0">
-                            <a:latin typeface="Cambria Math" panose="02040503050406030204" pitchFamily="18" charset="0"/>
+                            <a:latin typeface="Cambria Math"/>
                           </a:rPr>
                         </m:ctrlPr>
                       </m:fPr>
@@ -4723,7 +4726,7 @@
                           <m:dPr>
                             <m:ctrlPr>
                               <a:rPr lang="ko-KR" altLang="en-US" i="1" smtClean="0">
-                                <a:latin typeface="Cambria Math" panose="02040503050406030204" pitchFamily="18" charset="0"/>
+                                <a:latin typeface="Cambria Math"/>
                               </a:rPr>
                             </m:ctrlPr>
                           </m:dPr>
@@ -4753,7 +4756,7 @@
             </p:txBody>
           </p:sp>
         </mc:Choice>
-        <mc:Fallback>
+        <mc:Fallback xmlns="">
           <p:sp>
             <p:nvSpPr>
               <p:cNvPr id="7" name="내용 개체 틀 5">
@@ -4832,7 +4835,7 @@
           <p:cNvPr id="5" name="제목 1">
             <a:extLst>
               <a:ext uri="{FF2B5EF4-FFF2-40B4-BE49-F238E27FC236}">
-                <a16:creationId xmlns:a16="http://schemas.microsoft.com/office/drawing/2014/main" id="{AEF5A20E-383C-4360-B2F1-78BB03898CC0}"/>
+                <a16:creationId xmlns:a16="http://schemas.microsoft.com/office/drawing/2014/main" xmlns="" id="{AEF5A20E-383C-4360-B2F1-78BB03898CC0}"/>
               </a:ext>
             </a:extLst>
           </p:cNvPr>
@@ -4880,14 +4883,14 @@
           </a:p>
         </p:txBody>
       </p:sp>
-      <mc:AlternateContent xmlns:mc="http://schemas.openxmlformats.org/markup-compatibility/2006">
-        <mc:Choice xmlns:a14="http://schemas.microsoft.com/office/drawing/2010/main" Requires="a14">
+      <mc:AlternateContent xmlns:mc="http://schemas.openxmlformats.org/markup-compatibility/2006" xmlns:a14="http://schemas.microsoft.com/office/drawing/2010/main">
+        <mc:Choice Requires="a14">
           <p:sp>
             <p:nvSpPr>
               <p:cNvPr id="7" name="내용 개체 틀 5">
                 <a:extLst>
                   <a:ext uri="{FF2B5EF4-FFF2-40B4-BE49-F238E27FC236}">
-                    <a16:creationId xmlns:a16="http://schemas.microsoft.com/office/drawing/2014/main" id="{251F6865-31C8-403D-965F-2CCF34B247CE}"/>
+                    <a16:creationId xmlns:a16="http://schemas.microsoft.com/office/drawing/2014/main" xmlns="" id="{251F6865-31C8-403D-965F-2CCF34B247CE}"/>
                   </a:ext>
                 </a:extLst>
               </p:cNvPr>
@@ -4939,7 +4942,7 @@
                         <m:grow m:val="on"/>
                         <m:ctrlPr>
                           <a:rPr lang="en-US" altLang="ko-KR" i="1" smtClean="0">
-                            <a:latin typeface="Cambria Math" panose="02040503050406030204" pitchFamily="18" charset="0"/>
+                            <a:latin typeface="Cambria Math"/>
                           </a:rPr>
                         </m:ctrlPr>
                       </m:naryPr>
@@ -4976,7 +4979,7 @@
                           <m:dPr>
                             <m:ctrlPr>
                               <a:rPr lang="en-US" altLang="ko-KR" i="1" smtClean="0">
-                                <a:latin typeface="Cambria Math" panose="02040503050406030204" pitchFamily="18" charset="0"/>
+                                <a:latin typeface="Cambria Math"/>
                               </a:rPr>
                             </m:ctrlPr>
                           </m:dPr>
@@ -5027,7 +5030,7 @@
                       <m:dPr>
                         <m:ctrlPr>
                           <a:rPr lang="ko-KR" altLang="en-US" i="1" smtClean="0">
-                            <a:latin typeface="Cambria Math" panose="02040503050406030204" pitchFamily="18" charset="0"/>
+                            <a:latin typeface="Cambria Math"/>
                           </a:rPr>
                         </m:ctrlPr>
                       </m:dPr>
@@ -5062,7 +5065,7 @@
                       <m:dPr>
                         <m:ctrlPr>
                           <a:rPr lang="ko-KR" altLang="en-US" i="1" smtClean="0">
-                            <a:latin typeface="Cambria Math" panose="02040503050406030204" pitchFamily="18" charset="0"/>
+                            <a:latin typeface="Cambria Math"/>
                           </a:rPr>
                         </m:ctrlPr>
                       </m:dPr>
@@ -5091,7 +5094,7 @@
             </p:txBody>
           </p:sp>
         </mc:Choice>
-        <mc:Fallback>
+        <mc:Fallback xmlns="">
           <p:sp>
             <p:nvSpPr>
               <p:cNvPr id="7" name="내용 개체 틀 5">
@@ -5170,7 +5173,7 @@
           <p:cNvPr id="5" name="제목 1">
             <a:extLst>
               <a:ext uri="{FF2B5EF4-FFF2-40B4-BE49-F238E27FC236}">
-                <a16:creationId xmlns:a16="http://schemas.microsoft.com/office/drawing/2014/main" id="{AEF5A20E-383C-4360-B2F1-78BB03898CC0}"/>
+                <a16:creationId xmlns:a16="http://schemas.microsoft.com/office/drawing/2014/main" xmlns="" id="{AEF5A20E-383C-4360-B2F1-78BB03898CC0}"/>
               </a:ext>
             </a:extLst>
           </p:cNvPr>
@@ -5218,14 +5221,14 @@
           </a:p>
         </p:txBody>
       </p:sp>
-      <mc:AlternateContent xmlns:mc="http://schemas.openxmlformats.org/markup-compatibility/2006">
-        <mc:Choice xmlns:a14="http://schemas.microsoft.com/office/drawing/2010/main" Requires="a14">
+      <mc:AlternateContent xmlns:mc="http://schemas.openxmlformats.org/markup-compatibility/2006" xmlns:a14="http://schemas.microsoft.com/office/drawing/2010/main">
+        <mc:Choice Requires="a14">
           <p:sp>
             <p:nvSpPr>
               <p:cNvPr id="7" name="내용 개체 틀 5">
                 <a:extLst>
                   <a:ext uri="{FF2B5EF4-FFF2-40B4-BE49-F238E27FC236}">
-                    <a16:creationId xmlns:a16="http://schemas.microsoft.com/office/drawing/2014/main" id="{251F6865-31C8-403D-965F-2CCF34B247CE}"/>
+                    <a16:creationId xmlns:a16="http://schemas.microsoft.com/office/drawing/2014/main" xmlns="" id="{251F6865-31C8-403D-965F-2CCF34B247CE}"/>
                   </a:ext>
                 </a:extLst>
               </p:cNvPr>
@@ -5330,7 +5333,7 @@
                       <m:dPr>
                         <m:ctrlPr>
                           <a:rPr lang="ko-KR" altLang="en-US" i="1" smtClean="0">
-                            <a:latin typeface="Cambria Math" panose="02040503050406030204" pitchFamily="18" charset="0"/>
+                            <a:latin typeface="Cambria Math"/>
                           </a:rPr>
                         </m:ctrlPr>
                       </m:dPr>
@@ -5359,7 +5362,7 @@
                       <m:sSupPr>
                         <m:ctrlPr>
                           <a:rPr lang="ko-KR" altLang="en-US" i="1" smtClean="0">
-                            <a:latin typeface="Cambria Math" panose="02040503050406030204" pitchFamily="18" charset="0"/>
+                            <a:latin typeface="Cambria Math"/>
                           </a:rPr>
                         </m:ctrlPr>
                       </m:sSupPr>
@@ -5368,7 +5371,7 @@
                           <m:dPr>
                             <m:ctrlPr>
                               <a:rPr lang="ko-KR" altLang="en-US" i="1" smtClean="0">
-                                <a:latin typeface="Cambria Math" panose="02040503050406030204" pitchFamily="18" charset="0"/>
+                                <a:latin typeface="Cambria Math"/>
                               </a:rPr>
                             </m:ctrlPr>
                           </m:dPr>
@@ -5425,7 +5428,7 @@
                       <m:sSupPr>
                         <m:ctrlPr>
                           <a:rPr lang="en-US" altLang="ko-KR" i="1" smtClean="0">
-                            <a:latin typeface="Cambria Math" panose="02040503050406030204" pitchFamily="18" charset="0"/>
+                            <a:latin typeface="Cambria Math"/>
                           </a:rPr>
                         </m:ctrlPr>
                       </m:sSupPr>
@@ -5434,7 +5437,7 @@
                           <m:dPr>
                             <m:ctrlPr>
                               <a:rPr lang="en-US" altLang="ko-KR" i="1" smtClean="0">
-                                <a:latin typeface="Cambria Math" panose="02040503050406030204" pitchFamily="18" charset="0"/>
+                                <a:latin typeface="Cambria Math"/>
                               </a:rPr>
                             </m:ctrlPr>
                           </m:dPr>
@@ -5479,7 +5482,7 @@
                       <m:dPr>
                         <m:ctrlPr>
                           <a:rPr lang="en-US" altLang="ko-KR" i="1" smtClean="0">
-                            <a:latin typeface="Cambria Math" panose="02040503050406030204" pitchFamily="18" charset="0"/>
+                            <a:latin typeface="Cambria Math"/>
                           </a:rPr>
                         </m:ctrlPr>
                       </m:dPr>
@@ -5499,7 +5502,7 @@
             </p:txBody>
           </p:sp>
         </mc:Choice>
-        <mc:Fallback>
+        <mc:Fallback xmlns="">
           <p:sp>
             <p:nvSpPr>
               <p:cNvPr id="7" name="내용 개체 틀 5">
@@ -5578,7 +5581,7 @@
           <p:cNvPr id="5" name="제목 1">
             <a:extLst>
               <a:ext uri="{FF2B5EF4-FFF2-40B4-BE49-F238E27FC236}">
-                <a16:creationId xmlns:a16="http://schemas.microsoft.com/office/drawing/2014/main" id="{AEF5A20E-383C-4360-B2F1-78BB03898CC0}"/>
+                <a16:creationId xmlns:a16="http://schemas.microsoft.com/office/drawing/2014/main" xmlns="" id="{AEF5A20E-383C-4360-B2F1-78BB03898CC0}"/>
               </a:ext>
             </a:extLst>
           </p:cNvPr>
@@ -5626,14 +5629,14 @@
           </a:p>
         </p:txBody>
       </p:sp>
-      <mc:AlternateContent xmlns:mc="http://schemas.openxmlformats.org/markup-compatibility/2006">
-        <mc:Choice xmlns:a14="http://schemas.microsoft.com/office/drawing/2010/main" Requires="a14">
+      <mc:AlternateContent xmlns:mc="http://schemas.openxmlformats.org/markup-compatibility/2006" xmlns:a14="http://schemas.microsoft.com/office/drawing/2010/main">
+        <mc:Choice Requires="a14">
           <p:sp>
             <p:nvSpPr>
               <p:cNvPr id="7" name="내용 개체 틀 5">
                 <a:extLst>
                   <a:ext uri="{FF2B5EF4-FFF2-40B4-BE49-F238E27FC236}">
-                    <a16:creationId xmlns:a16="http://schemas.microsoft.com/office/drawing/2014/main" id="{251F6865-31C8-403D-965F-2CCF34B247CE}"/>
+                    <a16:creationId xmlns:a16="http://schemas.microsoft.com/office/drawing/2014/main" xmlns="" id="{251F6865-31C8-403D-965F-2CCF34B247CE}"/>
                   </a:ext>
                 </a:extLst>
               </p:cNvPr>
@@ -5693,7 +5696,7 @@
                         <m:degHide m:val="on"/>
                         <m:ctrlPr>
                           <a:rPr lang="ko-KR" altLang="en-US" i="1" smtClean="0">
-                            <a:latin typeface="Cambria Math" panose="02040503050406030204" pitchFamily="18" charset="0"/>
+                            <a:latin typeface="Cambria Math"/>
                           </a:rPr>
                         </m:ctrlPr>
                       </m:radPr>
@@ -5709,7 +5712,7 @@
                           <m:sSupPr>
                             <m:ctrlPr>
                               <a:rPr lang="ko-KR" altLang="en-US" i="1" smtClean="0">
-                                <a:latin typeface="Cambria Math" panose="02040503050406030204" pitchFamily="18" charset="0"/>
+                                <a:latin typeface="Cambria Math"/>
                               </a:rPr>
                             </m:ctrlPr>
                           </m:sSupPr>
@@ -5718,7 +5721,7 @@
                               <m:dPr>
                                 <m:ctrlPr>
                                   <a:rPr lang="ko-KR" altLang="en-US" i="1" smtClean="0">
-                                    <a:latin typeface="Cambria Math" panose="02040503050406030204" pitchFamily="18" charset="0"/>
+                                    <a:latin typeface="Cambria Math"/>
                                   </a:rPr>
                                 </m:ctrlPr>
                               </m:dPr>
@@ -5768,7 +5771,7 @@
                         <m:degHide m:val="on"/>
                         <m:ctrlPr>
                           <a:rPr lang="en-US" altLang="ko-KR" i="1" dirty="0" smtClean="0">
-                            <a:latin typeface="Cambria Math" panose="02040503050406030204" pitchFamily="18" charset="0"/>
+                            <a:latin typeface="Cambria Math"/>
                           </a:rPr>
                         </m:ctrlPr>
                       </m:radPr>
@@ -5784,7 +5787,7 @@
                           <m:sSupPr>
                             <m:ctrlPr>
                               <a:rPr lang="en-US" altLang="ko-KR" i="1" dirty="0" smtClean="0">
-                                <a:latin typeface="Cambria Math" panose="02040503050406030204" pitchFamily="18" charset="0"/>
+                                <a:latin typeface="Cambria Math"/>
                               </a:rPr>
                             </m:ctrlPr>
                           </m:sSupPr>
@@ -5793,7 +5796,7 @@
                               <m:dPr>
                                 <m:ctrlPr>
                                   <a:rPr lang="en-US" altLang="ko-KR" i="1" dirty="0" smtClean="0">
-                                    <a:latin typeface="Cambria Math" panose="02040503050406030204" pitchFamily="18" charset="0"/>
+                                    <a:latin typeface="Cambria Math"/>
                                   </a:rPr>
                                 </m:ctrlPr>
                               </m:dPr>
@@ -5840,7 +5843,7 @@
                       <m:dPr>
                         <m:ctrlPr>
                           <a:rPr lang="en-US" altLang="ko-KR" i="1" dirty="0" smtClean="0">
-                            <a:latin typeface="Cambria Math" panose="02040503050406030204" pitchFamily="18" charset="0"/>
+                            <a:latin typeface="Cambria Math"/>
                           </a:rPr>
                         </m:ctrlPr>
                       </m:dPr>
@@ -5874,7 +5877,7 @@
             </p:txBody>
           </p:sp>
         </mc:Choice>
-        <mc:Fallback>
+        <mc:Fallback xmlns="">
           <p:sp>
             <p:nvSpPr>
               <p:cNvPr id="7" name="내용 개체 틀 5">
@@ -5953,7 +5956,7 @@
           <p:cNvPr id="5" name="제목 1">
             <a:extLst>
               <a:ext uri="{FF2B5EF4-FFF2-40B4-BE49-F238E27FC236}">
-                <a16:creationId xmlns:a16="http://schemas.microsoft.com/office/drawing/2014/main" id="{AEF5A20E-383C-4360-B2F1-78BB03898CC0}"/>
+                <a16:creationId xmlns:a16="http://schemas.microsoft.com/office/drawing/2014/main" xmlns="" id="{AEF5A20E-383C-4360-B2F1-78BB03898CC0}"/>
               </a:ext>
             </a:extLst>
           </p:cNvPr>
@@ -5986,7 +5989,7 @@
           <p:cNvPr id="2" name="그림 1">
             <a:extLst>
               <a:ext uri="{FF2B5EF4-FFF2-40B4-BE49-F238E27FC236}">
-                <a16:creationId xmlns:a16="http://schemas.microsoft.com/office/drawing/2014/main" id="{5BB5646E-D22D-4492-BDA2-A1D4DE6006F7}"/>
+                <a16:creationId xmlns:a16="http://schemas.microsoft.com/office/drawing/2014/main" xmlns="" id="{5BB5646E-D22D-4492-BDA2-A1D4DE6006F7}"/>
               </a:ext>
             </a:extLst>
           </p:cNvPr>
@@ -6016,7 +6019,7 @@
           <p:cNvPr id="3" name="TextBox 2">
             <a:extLst>
               <a:ext uri="{FF2B5EF4-FFF2-40B4-BE49-F238E27FC236}">
-                <a16:creationId xmlns:a16="http://schemas.microsoft.com/office/drawing/2014/main" id="{24D18B36-7B6F-4B5F-8315-CB6AC648C2B3}"/>
+                <a16:creationId xmlns:a16="http://schemas.microsoft.com/office/drawing/2014/main" xmlns="" id="{24D18B36-7B6F-4B5F-8315-CB6AC648C2B3}"/>
               </a:ext>
             </a:extLst>
           </p:cNvPr>
@@ -6052,7 +6055,7 @@
           <p:cNvPr id="4" name="그림 3">
             <a:extLst>
               <a:ext uri="{FF2B5EF4-FFF2-40B4-BE49-F238E27FC236}">
-                <a16:creationId xmlns:a16="http://schemas.microsoft.com/office/drawing/2014/main" id="{7349B658-3464-4B6A-92EA-9450A827D060}"/>
+                <a16:creationId xmlns:a16="http://schemas.microsoft.com/office/drawing/2014/main" xmlns="" id="{7349B658-3464-4B6A-92EA-9450A827D060}"/>
               </a:ext>
             </a:extLst>
           </p:cNvPr>
@@ -6082,7 +6085,7 @@
           <p:cNvPr id="8" name="TextBox 7">
             <a:extLst>
               <a:ext uri="{FF2B5EF4-FFF2-40B4-BE49-F238E27FC236}">
-                <a16:creationId xmlns:a16="http://schemas.microsoft.com/office/drawing/2014/main" id="{56C602B6-CB16-49AD-BE11-3618E69B4760}"/>
+                <a16:creationId xmlns:a16="http://schemas.microsoft.com/office/drawing/2014/main" xmlns="" id="{56C602B6-CB16-49AD-BE11-3618E69B4760}"/>
               </a:ext>
             </a:extLst>
           </p:cNvPr>
@@ -6148,7 +6151,7 @@
           <p:cNvPr id="5" name="제목 1">
             <a:extLst>
               <a:ext uri="{FF2B5EF4-FFF2-40B4-BE49-F238E27FC236}">
-                <a16:creationId xmlns:a16="http://schemas.microsoft.com/office/drawing/2014/main" id="{AEF5A20E-383C-4360-B2F1-78BB03898CC0}"/>
+                <a16:creationId xmlns:a16="http://schemas.microsoft.com/office/drawing/2014/main" xmlns="" id="{AEF5A20E-383C-4360-B2F1-78BB03898CC0}"/>
               </a:ext>
             </a:extLst>
           </p:cNvPr>
@@ -6181,7 +6184,7 @@
           <p:cNvPr id="7" name="내용 개체 틀 5">
             <a:extLst>
               <a:ext uri="{FF2B5EF4-FFF2-40B4-BE49-F238E27FC236}">
-                <a16:creationId xmlns:a16="http://schemas.microsoft.com/office/drawing/2014/main" id="{251F6865-31C8-403D-965F-2CCF34B247CE}"/>
+                <a16:creationId xmlns:a16="http://schemas.microsoft.com/office/drawing/2014/main" xmlns="" id="{251F6865-31C8-403D-965F-2CCF34B247CE}"/>
               </a:ext>
             </a:extLst>
           </p:cNvPr>
@@ -6234,7 +6237,7 @@
           <p:cNvPr id="6" name="그림 5">
             <a:extLst>
               <a:ext uri="{FF2B5EF4-FFF2-40B4-BE49-F238E27FC236}">
-                <a16:creationId xmlns:a16="http://schemas.microsoft.com/office/drawing/2014/main" id="{325C7135-4C9A-4C99-8567-106AA5190DB2}"/>
+                <a16:creationId xmlns:a16="http://schemas.microsoft.com/office/drawing/2014/main" xmlns="" id="{325C7135-4C9A-4C99-8567-106AA5190DB2}"/>
               </a:ext>
             </a:extLst>
           </p:cNvPr>
@@ -6294,7 +6297,7 @@
           <p:cNvPr id="2" name="제목 1">
             <a:extLst>
               <a:ext uri="{FF2B5EF4-FFF2-40B4-BE49-F238E27FC236}">
-                <a16:creationId xmlns:a16="http://schemas.microsoft.com/office/drawing/2014/main" id="{49626BD6-18BE-403C-AA86-11A15687B7DA}"/>
+                <a16:creationId xmlns:a16="http://schemas.microsoft.com/office/drawing/2014/main" xmlns="" id="{49626BD6-18BE-403C-AA86-11A15687B7DA}"/>
               </a:ext>
             </a:extLst>
           </p:cNvPr>
@@ -6340,7 +6343,7 @@
           <p:cNvPr id="3" name="내용 개체 틀 2">
             <a:extLst>
               <a:ext uri="{FF2B5EF4-FFF2-40B4-BE49-F238E27FC236}">
-                <a16:creationId xmlns:a16="http://schemas.microsoft.com/office/drawing/2014/main" id="{552BE14C-9555-4748-83E4-17377A899AD9}"/>
+                <a16:creationId xmlns:a16="http://schemas.microsoft.com/office/drawing/2014/main" xmlns="" id="{552BE14C-9555-4748-83E4-17377A899AD9}"/>
               </a:ext>
             </a:extLst>
           </p:cNvPr>
@@ -6465,7 +6468,7 @@
           <p:cNvPr id="4" name="내용 개체 틀 2">
             <a:extLst>
               <a:ext uri="{FF2B5EF4-FFF2-40B4-BE49-F238E27FC236}">
-                <a16:creationId xmlns:a16="http://schemas.microsoft.com/office/drawing/2014/main" id="{FF848C0C-E56B-439D-9C03-163BF856823D}"/>
+                <a16:creationId xmlns:a16="http://schemas.microsoft.com/office/drawing/2014/main" xmlns="" id="{FF848C0C-E56B-439D-9C03-163BF856823D}"/>
               </a:ext>
             </a:extLst>
           </p:cNvPr>
@@ -6742,7 +6745,7 @@
           <p:cNvPr id="5" name="제목 1">
             <a:extLst>
               <a:ext uri="{FF2B5EF4-FFF2-40B4-BE49-F238E27FC236}">
-                <a16:creationId xmlns:a16="http://schemas.microsoft.com/office/drawing/2014/main" id="{AEF5A20E-383C-4360-B2F1-78BB03898CC0}"/>
+                <a16:creationId xmlns:a16="http://schemas.microsoft.com/office/drawing/2014/main" xmlns="" id="{AEF5A20E-383C-4360-B2F1-78BB03898CC0}"/>
               </a:ext>
             </a:extLst>
           </p:cNvPr>
@@ -6765,7 +6768,7 @@
           <a:p>
             <a:r>
               <a:rPr lang="ko-KR" altLang="en-US" dirty="0"/>
-              <a:t>정규분포</a:t>
+              <a:t>표준정규분포</a:t>
             </a:r>
           </a:p>
         </p:txBody>
@@ -6775,153 +6778,7 @@
           <p:cNvPr id="7" name="내용 개체 틀 5">
             <a:extLst>
               <a:ext uri="{FF2B5EF4-FFF2-40B4-BE49-F238E27FC236}">
-                <a16:creationId xmlns:a16="http://schemas.microsoft.com/office/drawing/2014/main" id="{251F6865-31C8-403D-965F-2CCF34B247CE}"/>
-              </a:ext>
-            </a:extLst>
-          </p:cNvPr>
-          <p:cNvSpPr>
-            <a:spLocks noGrp="1"/>
-          </p:cNvSpPr>
-          <p:nvPr>
-            <p:ph idx="1"/>
-          </p:nvPr>
-        </p:nvSpPr>
-        <p:spPr>
-          <a:xfrm>
-            <a:off x="557121" y="1690688"/>
-            <a:ext cx="11353800" cy="3802933"/>
-          </a:xfrm>
-        </p:spPr>
-        <p:txBody>
-          <a:bodyPr/>
-          <a:lstStyle/>
-          <a:p>
-            <a:pPr marL="0" indent="0">
-              <a:buNone/>
-            </a:pPr>
-            <a:r>
-              <a:rPr lang="ko-KR" altLang="en-US" sz="3500" dirty="0"/>
-              <a:t>통계학에서 가장 많이 사용되는 분포</a:t>
-            </a:r>
-            <a:endParaRPr lang="en-US" altLang="ko-KR" sz="3500" dirty="0"/>
-          </a:p>
-          <a:p>
-            <a:pPr marL="0" indent="0">
-              <a:buNone/>
-            </a:pPr>
-            <a:r>
-              <a:rPr lang="ko-KR" altLang="en-US" sz="3500" dirty="0"/>
-              <a:t>평균과 분산만으로 그 특성을 모두 설명할 수 있어 편리</a:t>
-            </a:r>
-            <a:endParaRPr lang="en-US" altLang="ko-KR" sz="3500" dirty="0"/>
-          </a:p>
-          <a:p>
-            <a:pPr marL="0" indent="0">
-              <a:buNone/>
-            </a:pPr>
-            <a:endParaRPr lang="ko-KR" altLang="en-US" sz="3500" dirty="0"/>
-          </a:p>
-        </p:txBody>
-      </p:sp>
-      <p:pic>
-        <p:nvPicPr>
-          <p:cNvPr id="6" name="그림 5">
-            <a:extLst>
-              <a:ext uri="{FF2B5EF4-FFF2-40B4-BE49-F238E27FC236}">
-                <a16:creationId xmlns:a16="http://schemas.microsoft.com/office/drawing/2014/main" id="{325C7135-4C9A-4C99-8567-106AA5190DB2}"/>
-              </a:ext>
-            </a:extLst>
-          </p:cNvPr>
-          <p:cNvPicPr>
-            <a:picLocks noChangeAspect="1"/>
-          </p:cNvPicPr>
-          <p:nvPr/>
-        </p:nvPicPr>
-        <p:blipFill>
-          <a:blip r:embed="rId2"/>
-          <a:stretch>
-            <a:fillRect/>
-          </a:stretch>
-        </p:blipFill>
-        <p:spPr>
-          <a:xfrm>
-            <a:off x="2462212" y="3124200"/>
-            <a:ext cx="7267575" cy="3733800"/>
-          </a:xfrm>
-          <a:prstGeom prst="rect">
-            <a:avLst/>
-          </a:prstGeom>
-        </p:spPr>
-      </p:pic>
-    </p:spTree>
-    <p:extLst>
-      <p:ext uri="{BB962C8B-B14F-4D97-AF65-F5344CB8AC3E}">
-        <p14:creationId xmlns:p14="http://schemas.microsoft.com/office/powerpoint/2010/main" val="3254752980"/>
-      </p:ext>
-    </p:extLst>
-  </p:cSld>
-  <p:clrMapOvr>
-    <a:masterClrMapping/>
-  </p:clrMapOvr>
-</p:sld>
-</file>
-
-<file path=ppt/slides/slide21.xml><?xml version="1.0" encoding="utf-8"?>
-<p:sld xmlns:a="http://schemas.openxmlformats.org/drawingml/2006/main" xmlns:r="http://schemas.openxmlformats.org/officeDocument/2006/relationships" xmlns:p="http://schemas.openxmlformats.org/presentationml/2006/main">
-  <p:cSld>
-    <p:spTree>
-      <p:nvGrpSpPr>
-        <p:cNvPr id="1" name=""/>
-        <p:cNvGrpSpPr/>
-        <p:nvPr/>
-      </p:nvGrpSpPr>
-      <p:grpSpPr>
-        <a:xfrm>
-          <a:off x="0" y="0"/>
-          <a:ext cx="0" cy="0"/>
-          <a:chOff x="0" y="0"/>
-          <a:chExt cx="0" cy="0"/>
-        </a:xfrm>
-      </p:grpSpPr>
-      <p:sp>
-        <p:nvSpPr>
-          <p:cNvPr id="5" name="제목 1">
-            <a:extLst>
-              <a:ext uri="{FF2B5EF4-FFF2-40B4-BE49-F238E27FC236}">
-                <a16:creationId xmlns:a16="http://schemas.microsoft.com/office/drawing/2014/main" id="{AEF5A20E-383C-4360-B2F1-78BB03898CC0}"/>
-              </a:ext>
-            </a:extLst>
-          </p:cNvPr>
-          <p:cNvSpPr>
-            <a:spLocks noGrp="1"/>
-          </p:cNvSpPr>
-          <p:nvPr>
-            <p:ph type="title"/>
-          </p:nvPr>
-        </p:nvSpPr>
-        <p:spPr>
-          <a:xfrm>
-            <a:off x="838200" y="365125"/>
-            <a:ext cx="10515600" cy="1325563"/>
-          </a:xfrm>
-        </p:spPr>
-        <p:txBody>
-          <a:bodyPr/>
-          <a:lstStyle/>
-          <a:p>
-            <a:r>
-              <a:rPr lang="ko-KR" altLang="en-US" dirty="0"/>
-              <a:t>표준정규분포</a:t>
-            </a:r>
-          </a:p>
-        </p:txBody>
-      </p:sp>
-      <p:sp>
-        <p:nvSpPr>
-          <p:cNvPr id="7" name="내용 개체 틀 5">
-            <a:extLst>
-              <a:ext uri="{FF2B5EF4-FFF2-40B4-BE49-F238E27FC236}">
-                <a16:creationId xmlns:a16="http://schemas.microsoft.com/office/drawing/2014/main" id="{251F6865-31C8-403D-965F-2CCF34B247CE}"/>
+                <a16:creationId xmlns:a16="http://schemas.microsoft.com/office/drawing/2014/main" xmlns="" id="{251F6865-31C8-403D-965F-2CCF34B247CE}"/>
               </a:ext>
             </a:extLst>
           </p:cNvPr>
@@ -6975,7 +6832,7 @@
           <p:cNvPr id="2" name="그림 1">
             <a:extLst>
               <a:ext uri="{FF2B5EF4-FFF2-40B4-BE49-F238E27FC236}">
-                <a16:creationId xmlns:a16="http://schemas.microsoft.com/office/drawing/2014/main" id="{D9DC4508-4BF9-448D-ABC5-94DB2D98BFF3}"/>
+                <a16:creationId xmlns:a16="http://schemas.microsoft.com/office/drawing/2014/main" xmlns="" id="{D9DC4508-4BF9-448D-ABC5-94DB2D98BFF3}"/>
               </a:ext>
             </a:extLst>
           </p:cNvPr>
@@ -7013,7 +6870,7 @@
 </p:sld>
 </file>
 
-<file path=ppt/slides/slide22.xml><?xml version="1.0" encoding="utf-8"?>
+<file path=ppt/slides/slide21.xml><?xml version="1.0" encoding="utf-8"?>
 <p:sld xmlns:a="http://schemas.openxmlformats.org/drawingml/2006/main" xmlns:r="http://schemas.openxmlformats.org/officeDocument/2006/relationships" xmlns:p="http://schemas.openxmlformats.org/presentationml/2006/main">
   <p:cSld>
     <p:spTree>
@@ -7035,7 +6892,7 @@
           <p:cNvPr id="5" name="제목 1">
             <a:extLst>
               <a:ext uri="{FF2B5EF4-FFF2-40B4-BE49-F238E27FC236}">
-                <a16:creationId xmlns:a16="http://schemas.microsoft.com/office/drawing/2014/main" id="{AEF5A20E-383C-4360-B2F1-78BB03898CC0}"/>
+                <a16:creationId xmlns:a16="http://schemas.microsoft.com/office/drawing/2014/main" xmlns="" id="{AEF5A20E-383C-4360-B2F1-78BB03898CC0}"/>
               </a:ext>
             </a:extLst>
           </p:cNvPr>
@@ -7068,7 +6925,7 @@
           <p:cNvPr id="6" name="그림 5">
             <a:extLst>
               <a:ext uri="{FF2B5EF4-FFF2-40B4-BE49-F238E27FC236}">
-                <a16:creationId xmlns:a16="http://schemas.microsoft.com/office/drawing/2014/main" id="{EE191E19-FBA8-4E07-8B19-AE7FE82D50D3}"/>
+                <a16:creationId xmlns:a16="http://schemas.microsoft.com/office/drawing/2014/main" xmlns="" id="{EE191E19-FBA8-4E07-8B19-AE7FE82D50D3}"/>
               </a:ext>
             </a:extLst>
           </p:cNvPr>
@@ -7106,7 +6963,7 @@
 </p:sld>
 </file>
 
-<file path=ppt/slides/slide23.xml><?xml version="1.0" encoding="utf-8"?>
+<file path=ppt/slides/slide22.xml><?xml version="1.0" encoding="utf-8"?>
 <p:sld xmlns:a="http://schemas.openxmlformats.org/drawingml/2006/main" xmlns:r="http://schemas.openxmlformats.org/officeDocument/2006/relationships" xmlns:p="http://schemas.openxmlformats.org/presentationml/2006/main">
   <p:cSld>
     <p:spTree>
@@ -7128,7 +6985,7 @@
           <p:cNvPr id="5" name="제목 1">
             <a:extLst>
               <a:ext uri="{FF2B5EF4-FFF2-40B4-BE49-F238E27FC236}">
-                <a16:creationId xmlns:a16="http://schemas.microsoft.com/office/drawing/2014/main" id="{AEF5A20E-383C-4360-B2F1-78BB03898CC0}"/>
+                <a16:creationId xmlns:a16="http://schemas.microsoft.com/office/drawing/2014/main" xmlns="" id="{AEF5A20E-383C-4360-B2F1-78BB03898CC0}"/>
               </a:ext>
             </a:extLst>
           </p:cNvPr>
@@ -7161,7 +7018,7 @@
           <p:cNvPr id="4" name="내용 개체 틀 5">
             <a:extLst>
               <a:ext uri="{FF2B5EF4-FFF2-40B4-BE49-F238E27FC236}">
-                <a16:creationId xmlns:a16="http://schemas.microsoft.com/office/drawing/2014/main" id="{5F0CFC34-73E3-45DC-A11B-B74314DDC9EB}"/>
+                <a16:creationId xmlns:a16="http://schemas.microsoft.com/office/drawing/2014/main" xmlns="" id="{5F0CFC34-73E3-45DC-A11B-B74314DDC9EB}"/>
               </a:ext>
             </a:extLst>
           </p:cNvPr>
@@ -7303,7 +7160,7 @@
           <p:cNvPr id="6" name="내용 개체 틀 5">
             <a:extLst>
               <a:ext uri="{FF2B5EF4-FFF2-40B4-BE49-F238E27FC236}">
-                <a16:creationId xmlns:a16="http://schemas.microsoft.com/office/drawing/2014/main" id="{233460EB-82D9-4F70-949A-F90205DD4083}"/>
+                <a16:creationId xmlns:a16="http://schemas.microsoft.com/office/drawing/2014/main" xmlns="" id="{233460EB-82D9-4F70-949A-F90205DD4083}"/>
               </a:ext>
             </a:extLst>
           </p:cNvPr>
@@ -7498,14 +7355,14 @@
           </a:p>
         </p:txBody>
       </p:sp>
-      <mc:AlternateContent xmlns:mc="http://schemas.openxmlformats.org/markup-compatibility/2006">
-        <mc:Choice xmlns:a14="http://schemas.microsoft.com/office/drawing/2010/main" Requires="a14">
+      <mc:AlternateContent xmlns:mc="http://schemas.openxmlformats.org/markup-compatibility/2006" xmlns:a14="http://schemas.microsoft.com/office/drawing/2010/main">
+        <mc:Choice Requires="a14">
           <p:sp>
             <p:nvSpPr>
               <p:cNvPr id="2" name="TextBox 1">
                 <a:extLst>
                   <a:ext uri="{FF2B5EF4-FFF2-40B4-BE49-F238E27FC236}">
-                    <a16:creationId xmlns:a16="http://schemas.microsoft.com/office/drawing/2014/main" id="{B5359BF7-C163-401B-9099-24B1B1125424}"/>
+                    <a16:creationId xmlns:a16="http://schemas.microsoft.com/office/drawing/2014/main" xmlns="" id="{B5359BF7-C163-401B-9099-24B1B1125424}"/>
                   </a:ext>
                 </a:extLst>
               </p:cNvPr>
@@ -7542,7 +7399,7 @@
                       <m:fPr>
                         <m:ctrlPr>
                           <a:rPr lang="ko-KR" altLang="en-US" sz="2500" i="1" smtClean="0">
-                            <a:latin typeface="Cambria Math" panose="02040503050406030204" pitchFamily="18" charset="0"/>
+                            <a:latin typeface="Cambria Math"/>
                           </a:rPr>
                         </m:ctrlPr>
                       </m:fPr>
@@ -7560,7 +7417,7 @@
                             <m:degHide m:val="on"/>
                             <m:ctrlPr>
                               <a:rPr lang="ko-KR" altLang="en-US" sz="2500" i="1" smtClean="0">
-                                <a:latin typeface="Cambria Math" panose="02040503050406030204" pitchFamily="18" charset="0"/>
+                                <a:latin typeface="Cambria Math"/>
                               </a:rPr>
                             </m:ctrlPr>
                           </m:radPr>
@@ -7583,7 +7440,7 @@
             </p:txBody>
           </p:sp>
         </mc:Choice>
-        <mc:Fallback>
+        <mc:Fallback xmlns="">
           <p:sp>
             <p:nvSpPr>
               <p:cNvPr id="2" name="TextBox 1">
@@ -7641,7 +7498,7 @@
 </p:sld>
 </file>
 
-<file path=ppt/slides/slide24.xml><?xml version="1.0" encoding="utf-8"?>
+<file path=ppt/slides/slide23.xml><?xml version="1.0" encoding="utf-8"?>
 <p:sld xmlns:a="http://schemas.openxmlformats.org/drawingml/2006/main" xmlns:r="http://schemas.openxmlformats.org/officeDocument/2006/relationships" xmlns:p="http://schemas.openxmlformats.org/presentationml/2006/main">
   <p:cSld>
     <p:spTree>
@@ -7663,7 +7520,7 @@
           <p:cNvPr id="5" name="제목 1">
             <a:extLst>
               <a:ext uri="{FF2B5EF4-FFF2-40B4-BE49-F238E27FC236}">
-                <a16:creationId xmlns:a16="http://schemas.microsoft.com/office/drawing/2014/main" id="{AEF5A20E-383C-4360-B2F1-78BB03898CC0}"/>
+                <a16:creationId xmlns:a16="http://schemas.microsoft.com/office/drawing/2014/main" xmlns="" id="{AEF5A20E-383C-4360-B2F1-78BB03898CC0}"/>
               </a:ext>
             </a:extLst>
           </p:cNvPr>
@@ -7696,7 +7553,7 @@
           <p:cNvPr id="6" name="내용 개체 틀 5">
             <a:extLst>
               <a:ext uri="{FF2B5EF4-FFF2-40B4-BE49-F238E27FC236}">
-                <a16:creationId xmlns:a16="http://schemas.microsoft.com/office/drawing/2014/main" id="{233460EB-82D9-4F70-949A-F90205DD4083}"/>
+                <a16:creationId xmlns:a16="http://schemas.microsoft.com/office/drawing/2014/main" xmlns="" id="{233460EB-82D9-4F70-949A-F90205DD4083}"/>
               </a:ext>
             </a:extLst>
           </p:cNvPr>
@@ -7891,14 +7748,14 @@
           </a:p>
         </p:txBody>
       </p:sp>
-      <mc:AlternateContent xmlns:mc="http://schemas.openxmlformats.org/markup-compatibility/2006">
-        <mc:Choice xmlns:a14="http://schemas.microsoft.com/office/drawing/2010/main" Requires="a14">
+      <mc:AlternateContent xmlns:mc="http://schemas.openxmlformats.org/markup-compatibility/2006" xmlns:a14="http://schemas.microsoft.com/office/drawing/2010/main">
+        <mc:Choice Requires="a14">
           <p:sp>
             <p:nvSpPr>
               <p:cNvPr id="7" name="내용 개체 틀 6">
                 <a:extLst>
                   <a:ext uri="{FF2B5EF4-FFF2-40B4-BE49-F238E27FC236}">
-                    <a16:creationId xmlns:a16="http://schemas.microsoft.com/office/drawing/2014/main" id="{1887FB2B-73A7-4847-8874-7301514601EF}"/>
+                    <a16:creationId xmlns:a16="http://schemas.microsoft.com/office/drawing/2014/main" xmlns="" id="{1887FB2B-73A7-4847-8874-7301514601EF}"/>
                   </a:ext>
                 </a:extLst>
               </p:cNvPr>
@@ -7944,7 +7801,7 @@
                       <m:sSubPr>
                         <m:ctrlPr>
                           <a:rPr lang="en-US" altLang="ko-KR" i="1" smtClean="0">
-                            <a:latin typeface="Cambria Math" panose="02040503050406030204" pitchFamily="18" charset="0"/>
+                            <a:latin typeface="Cambria Math"/>
                           </a:rPr>
                         </m:ctrlPr>
                       </m:sSubPr>
@@ -8012,7 +7869,7 @@
                       <m:sSubPr>
                         <m:ctrlPr>
                           <a:rPr lang="en-US" altLang="ko-KR" i="1" smtClean="0">
-                            <a:latin typeface="Cambria Math" panose="02040503050406030204" pitchFamily="18" charset="0"/>
+                            <a:latin typeface="Cambria Math"/>
                           </a:rPr>
                         </m:ctrlPr>
                       </m:sSubPr>
@@ -8078,7 +7935,7 @@
             </p:txBody>
           </p:sp>
         </mc:Choice>
-        <mc:Fallback>
+        <mc:Fallback xmlns="">
           <p:sp>
             <p:nvSpPr>
               <p:cNvPr id="7" name="내용 개체 틀 6">
@@ -8131,7 +7988,7 @@
 </p:sld>
 </file>
 
-<file path=ppt/slides/slide25.xml><?xml version="1.0" encoding="utf-8"?>
+<file path=ppt/slides/slide24.xml><?xml version="1.0" encoding="utf-8"?>
 <p:sld xmlns:a="http://schemas.openxmlformats.org/drawingml/2006/main" xmlns:r="http://schemas.openxmlformats.org/officeDocument/2006/relationships" xmlns:p="http://schemas.openxmlformats.org/presentationml/2006/main">
   <p:cSld>
     <p:spTree>
@@ -8153,7 +8010,7 @@
           <p:cNvPr id="5" name="제목 1">
             <a:extLst>
               <a:ext uri="{FF2B5EF4-FFF2-40B4-BE49-F238E27FC236}">
-                <a16:creationId xmlns:a16="http://schemas.microsoft.com/office/drawing/2014/main" id="{AEF5A20E-383C-4360-B2F1-78BB03898CC0}"/>
+                <a16:creationId xmlns:a16="http://schemas.microsoft.com/office/drawing/2014/main" xmlns="" id="{AEF5A20E-383C-4360-B2F1-78BB03898CC0}"/>
               </a:ext>
             </a:extLst>
           </p:cNvPr>
@@ -8199,7 +8056,7 @@
           <p:cNvPr id="6" name="내용 개체 틀 5">
             <a:extLst>
               <a:ext uri="{FF2B5EF4-FFF2-40B4-BE49-F238E27FC236}">
-                <a16:creationId xmlns:a16="http://schemas.microsoft.com/office/drawing/2014/main" id="{233460EB-82D9-4F70-949A-F90205DD4083}"/>
+                <a16:creationId xmlns:a16="http://schemas.microsoft.com/office/drawing/2014/main" xmlns="" id="{233460EB-82D9-4F70-949A-F90205DD4083}"/>
               </a:ext>
             </a:extLst>
           </p:cNvPr>
@@ -8399,7 +8256,7 @@
           <p:cNvPr id="2" name="그림 1">
             <a:extLst>
               <a:ext uri="{FF2B5EF4-FFF2-40B4-BE49-F238E27FC236}">
-                <a16:creationId xmlns:a16="http://schemas.microsoft.com/office/drawing/2014/main" id="{46A0ACBA-1DED-40C2-B8DA-2563576DE922}"/>
+                <a16:creationId xmlns:a16="http://schemas.microsoft.com/office/drawing/2014/main" xmlns="" id="{46A0ACBA-1DED-40C2-B8DA-2563576DE922}"/>
               </a:ext>
             </a:extLst>
           </p:cNvPr>
@@ -8437,7 +8294,7 @@
 </p:sld>
 </file>
 
-<file path=ppt/slides/slide26.xml><?xml version="1.0" encoding="utf-8"?>
+<file path=ppt/slides/slide25.xml><?xml version="1.0" encoding="utf-8"?>
 <p:sld xmlns:a="http://schemas.openxmlformats.org/drawingml/2006/main" xmlns:r="http://schemas.openxmlformats.org/officeDocument/2006/relationships" xmlns:p="http://schemas.openxmlformats.org/presentationml/2006/main">
   <p:cSld>
     <p:spTree>
@@ -8459,7 +8316,7 @@
           <p:cNvPr id="5" name="제목 1">
             <a:extLst>
               <a:ext uri="{FF2B5EF4-FFF2-40B4-BE49-F238E27FC236}">
-                <a16:creationId xmlns:a16="http://schemas.microsoft.com/office/drawing/2014/main" id="{AEF5A20E-383C-4360-B2F1-78BB03898CC0}"/>
+                <a16:creationId xmlns:a16="http://schemas.microsoft.com/office/drawing/2014/main" xmlns="" id="{AEF5A20E-383C-4360-B2F1-78BB03898CC0}"/>
               </a:ext>
             </a:extLst>
           </p:cNvPr>
@@ -8505,7 +8362,7 @@
           <p:cNvPr id="6" name="내용 개체 틀 5">
             <a:extLst>
               <a:ext uri="{FF2B5EF4-FFF2-40B4-BE49-F238E27FC236}">
-                <a16:creationId xmlns:a16="http://schemas.microsoft.com/office/drawing/2014/main" id="{233460EB-82D9-4F70-949A-F90205DD4083}"/>
+                <a16:creationId xmlns:a16="http://schemas.microsoft.com/office/drawing/2014/main" xmlns="" id="{233460EB-82D9-4F70-949A-F90205DD4083}"/>
               </a:ext>
             </a:extLst>
           </p:cNvPr>
@@ -8705,7 +8562,7 @@
           <p:cNvPr id="3" name="그림 2">
             <a:extLst>
               <a:ext uri="{FF2B5EF4-FFF2-40B4-BE49-F238E27FC236}">
-                <a16:creationId xmlns:a16="http://schemas.microsoft.com/office/drawing/2014/main" id="{8CD53D3A-25B3-40A3-B8BA-4AAB4B1284A5}"/>
+                <a16:creationId xmlns:a16="http://schemas.microsoft.com/office/drawing/2014/main" xmlns="" id="{8CD53D3A-25B3-40A3-B8BA-4AAB4B1284A5}"/>
               </a:ext>
             </a:extLst>
           </p:cNvPr>
@@ -8735,7 +8592,7 @@
           <p:cNvPr id="4" name="TextBox 3">
             <a:extLst>
               <a:ext uri="{FF2B5EF4-FFF2-40B4-BE49-F238E27FC236}">
-                <a16:creationId xmlns:a16="http://schemas.microsoft.com/office/drawing/2014/main" id="{8F3A83BE-012D-4DD0-A151-50284BBC4236}"/>
+                <a16:creationId xmlns:a16="http://schemas.microsoft.com/office/drawing/2014/main" xmlns="" id="{8F3A83BE-012D-4DD0-A151-50284BBC4236}"/>
               </a:ext>
             </a:extLst>
           </p:cNvPr>
@@ -8771,7 +8628,7 @@
           <p:cNvPr id="7" name="TextBox 6">
             <a:extLst>
               <a:ext uri="{FF2B5EF4-FFF2-40B4-BE49-F238E27FC236}">
-                <a16:creationId xmlns:a16="http://schemas.microsoft.com/office/drawing/2014/main" id="{67D2385D-F8BD-4F72-AFE4-6F268243AC72}"/>
+                <a16:creationId xmlns:a16="http://schemas.microsoft.com/office/drawing/2014/main" xmlns="" id="{67D2385D-F8BD-4F72-AFE4-6F268243AC72}"/>
               </a:ext>
             </a:extLst>
           </p:cNvPr>
@@ -8815,7 +8672,7 @@
 </p:sld>
 </file>
 
-<file path=ppt/slides/slide27.xml><?xml version="1.0" encoding="utf-8"?>
+<file path=ppt/slides/slide26.xml><?xml version="1.0" encoding="utf-8"?>
 <p:sld xmlns:a="http://schemas.openxmlformats.org/drawingml/2006/main" xmlns:r="http://schemas.openxmlformats.org/officeDocument/2006/relationships" xmlns:p="http://schemas.openxmlformats.org/presentationml/2006/main">
   <p:cSld>
     <p:spTree>
@@ -8837,7 +8694,7 @@
           <p:cNvPr id="5" name="제목 1">
             <a:extLst>
               <a:ext uri="{FF2B5EF4-FFF2-40B4-BE49-F238E27FC236}">
-                <a16:creationId xmlns:a16="http://schemas.microsoft.com/office/drawing/2014/main" id="{AEF5A20E-383C-4360-B2F1-78BB03898CC0}"/>
+                <a16:creationId xmlns:a16="http://schemas.microsoft.com/office/drawing/2014/main" xmlns="" id="{AEF5A20E-383C-4360-B2F1-78BB03898CC0}"/>
               </a:ext>
             </a:extLst>
           </p:cNvPr>
@@ -8882,7 +8739,7 @@
           <p:cNvPr id="6" name="내용 개체 틀 5">
             <a:extLst>
               <a:ext uri="{FF2B5EF4-FFF2-40B4-BE49-F238E27FC236}">
-                <a16:creationId xmlns:a16="http://schemas.microsoft.com/office/drawing/2014/main" id="{233460EB-82D9-4F70-949A-F90205DD4083}"/>
+                <a16:creationId xmlns:a16="http://schemas.microsoft.com/office/drawing/2014/main" xmlns="" id="{233460EB-82D9-4F70-949A-F90205DD4083}"/>
               </a:ext>
             </a:extLst>
           </p:cNvPr>
@@ -9082,7 +8939,7 @@
           <p:cNvPr id="10" name="원통형 9">
             <a:extLst>
               <a:ext uri="{FF2B5EF4-FFF2-40B4-BE49-F238E27FC236}">
-                <a16:creationId xmlns:a16="http://schemas.microsoft.com/office/drawing/2014/main" id="{892675BB-27A8-4DF1-8D19-2A52554E34CC}"/>
+                <a16:creationId xmlns:a16="http://schemas.microsoft.com/office/drawing/2014/main" xmlns="" id="{892675BB-27A8-4DF1-8D19-2A52554E34CC}"/>
               </a:ext>
             </a:extLst>
           </p:cNvPr>
@@ -9148,7 +9005,7 @@
           <p:cNvPr id="12" name="직선 연결선 11">
             <a:extLst>
               <a:ext uri="{FF2B5EF4-FFF2-40B4-BE49-F238E27FC236}">
-                <a16:creationId xmlns:a16="http://schemas.microsoft.com/office/drawing/2014/main" id="{04E55702-3303-4414-8AFE-7B8E469B0875}"/>
+                <a16:creationId xmlns:a16="http://schemas.microsoft.com/office/drawing/2014/main" xmlns="" id="{04E55702-3303-4414-8AFE-7B8E469B0875}"/>
               </a:ext>
             </a:extLst>
           </p:cNvPr>
@@ -9184,7 +9041,7 @@
           <p:cNvPr id="13" name="직선 연결선 12">
             <a:extLst>
               <a:ext uri="{FF2B5EF4-FFF2-40B4-BE49-F238E27FC236}">
-                <a16:creationId xmlns:a16="http://schemas.microsoft.com/office/drawing/2014/main" id="{4BC8BBCB-D323-494E-A2E6-224099A0CFB9}"/>
+                <a16:creationId xmlns:a16="http://schemas.microsoft.com/office/drawing/2014/main" xmlns="" id="{4BC8BBCB-D323-494E-A2E6-224099A0CFB9}"/>
               </a:ext>
             </a:extLst>
           </p:cNvPr>
@@ -9222,7 +9079,7 @@
           <p:cNvPr id="15" name="직선 연결선 14">
             <a:extLst>
               <a:ext uri="{FF2B5EF4-FFF2-40B4-BE49-F238E27FC236}">
-                <a16:creationId xmlns:a16="http://schemas.microsoft.com/office/drawing/2014/main" id="{0BC1BC68-8758-4CF9-9386-238290FCF01E}"/>
+                <a16:creationId xmlns:a16="http://schemas.microsoft.com/office/drawing/2014/main" xmlns="" id="{0BC1BC68-8758-4CF9-9386-238290FCF01E}"/>
               </a:ext>
             </a:extLst>
           </p:cNvPr>
@@ -9260,7 +9117,7 @@
           <p:cNvPr id="16" name="직선 연결선 15">
             <a:extLst>
               <a:ext uri="{FF2B5EF4-FFF2-40B4-BE49-F238E27FC236}">
-                <a16:creationId xmlns:a16="http://schemas.microsoft.com/office/drawing/2014/main" id="{98C419E3-93F4-4903-843A-9F5646A606E7}"/>
+                <a16:creationId xmlns:a16="http://schemas.microsoft.com/office/drawing/2014/main" xmlns="" id="{98C419E3-93F4-4903-843A-9F5646A606E7}"/>
               </a:ext>
             </a:extLst>
           </p:cNvPr>
@@ -9298,7 +9155,7 @@
           <p:cNvPr id="22" name="직선 연결선 21">
             <a:extLst>
               <a:ext uri="{FF2B5EF4-FFF2-40B4-BE49-F238E27FC236}">
-                <a16:creationId xmlns:a16="http://schemas.microsoft.com/office/drawing/2014/main" id="{53288552-41E6-4129-8B35-6990EB19441F}"/>
+                <a16:creationId xmlns:a16="http://schemas.microsoft.com/office/drawing/2014/main" xmlns="" id="{53288552-41E6-4129-8B35-6990EB19441F}"/>
               </a:ext>
             </a:extLst>
           </p:cNvPr>
@@ -9331,14 +9188,14 @@
           </a:fontRef>
         </p:style>
       </p:cxnSp>
-      <mc:AlternateContent xmlns:mc="http://schemas.openxmlformats.org/markup-compatibility/2006">
-        <mc:Choice xmlns:a14="http://schemas.microsoft.com/office/drawing/2010/main" Requires="a14">
+      <mc:AlternateContent xmlns:mc="http://schemas.openxmlformats.org/markup-compatibility/2006" xmlns:a14="http://schemas.microsoft.com/office/drawing/2010/main">
+        <mc:Choice Requires="a14">
           <p:sp>
             <p:nvSpPr>
               <p:cNvPr id="26" name="TextBox 25">
                 <a:extLst>
                   <a:ext uri="{FF2B5EF4-FFF2-40B4-BE49-F238E27FC236}">
-                    <a16:creationId xmlns:a16="http://schemas.microsoft.com/office/drawing/2014/main" id="{E6AA1C8F-CB2C-405F-AE84-F4930148BF89}"/>
+                    <a16:creationId xmlns:a16="http://schemas.microsoft.com/office/drawing/2014/main" xmlns="" id="{E6AA1C8F-CB2C-405F-AE84-F4930148BF89}"/>
                   </a:ext>
                 </a:extLst>
               </p:cNvPr>
@@ -9361,6 +9218,7 @@
               </a:bodyPr>
               <a:lstStyle/>
               <a:p>
+                <a:pPr/>
                 <a14:m>
                   <m:oMathPara xmlns:m="http://schemas.openxmlformats.org/officeDocument/2006/math">
                     <m:oMathParaPr>
@@ -9411,7 +9269,7 @@
             </p:txBody>
           </p:sp>
         </mc:Choice>
-        <mc:Fallback>
+        <mc:Fallback xmlns="">
           <p:sp>
             <p:nvSpPr>
               <p:cNvPr id="26" name="TextBox 25">
@@ -9456,14 +9314,14 @@
           </p:sp>
         </mc:Fallback>
       </mc:AlternateContent>
-      <mc:AlternateContent xmlns:mc="http://schemas.openxmlformats.org/markup-compatibility/2006">
-        <mc:Choice xmlns:a14="http://schemas.microsoft.com/office/drawing/2010/main" Requires="a14">
+      <mc:AlternateContent xmlns:mc="http://schemas.openxmlformats.org/markup-compatibility/2006" xmlns:a14="http://schemas.microsoft.com/office/drawing/2010/main">
+        <mc:Choice Requires="a14">
           <p:sp>
             <p:nvSpPr>
               <p:cNvPr id="27" name="TextBox 26">
                 <a:extLst>
                   <a:ext uri="{FF2B5EF4-FFF2-40B4-BE49-F238E27FC236}">
-                    <a16:creationId xmlns:a16="http://schemas.microsoft.com/office/drawing/2014/main" id="{477D47B3-68DD-481B-BB4B-05781BCD323E}"/>
+                    <a16:creationId xmlns:a16="http://schemas.microsoft.com/office/drawing/2014/main" xmlns="" id="{477D47B3-68DD-481B-BB4B-05781BCD323E}"/>
                   </a:ext>
                 </a:extLst>
               </p:cNvPr>
@@ -9505,7 +9363,7 @@
             </p:txBody>
           </p:sp>
         </mc:Choice>
-        <mc:Fallback>
+        <mc:Fallback xmlns="">
           <p:sp>
             <p:nvSpPr>
               <p:cNvPr id="27" name="TextBox 26">
@@ -9555,7 +9413,7 @@
           <p:cNvPr id="28" name="TextBox 27">
             <a:extLst>
               <a:ext uri="{FF2B5EF4-FFF2-40B4-BE49-F238E27FC236}">
-                <a16:creationId xmlns:a16="http://schemas.microsoft.com/office/drawing/2014/main" id="{82D5FAD4-38A8-4406-A15B-979DE4355978}"/>
+                <a16:creationId xmlns:a16="http://schemas.microsoft.com/office/drawing/2014/main" xmlns="" id="{82D5FAD4-38A8-4406-A15B-979DE4355978}"/>
               </a:ext>
             </a:extLst>
           </p:cNvPr>
@@ -9594,7 +9452,7 @@
           <p:cNvPr id="29" name="TextBox 28">
             <a:extLst>
               <a:ext uri="{FF2B5EF4-FFF2-40B4-BE49-F238E27FC236}">
-                <a16:creationId xmlns:a16="http://schemas.microsoft.com/office/drawing/2014/main" id="{826C3248-2C75-4A5F-9819-55DD51494D07}"/>
+                <a16:creationId xmlns:a16="http://schemas.microsoft.com/office/drawing/2014/main" xmlns="" id="{826C3248-2C75-4A5F-9819-55DD51494D07}"/>
               </a:ext>
             </a:extLst>
           </p:cNvPr>
@@ -9628,6 +9486,123 @@
           </a:p>
         </p:txBody>
       </p:sp>
+      <p:cxnSp>
+        <p:nvCxnSpPr>
+          <p:cNvPr id="17" name="직선 연결선 16">
+            <a:extLst>
+              <a:ext uri="{FF2B5EF4-FFF2-40B4-BE49-F238E27FC236}">
+                <a16:creationId xmlns:a16="http://schemas.microsoft.com/office/drawing/2014/main" xmlns="" id="{53288552-41E6-4129-8B35-6990EB19441F}"/>
+              </a:ext>
+            </a:extLst>
+          </p:cNvPr>
+          <p:cNvCxnSpPr>
+            <a:cxnSpLocks/>
+          </p:cNvCxnSpPr>
+          <p:nvPr/>
+        </p:nvCxnSpPr>
+        <p:spPr>
+          <a:xfrm>
+            <a:off x="5871881" y="3778370"/>
+            <a:ext cx="2845866" cy="0"/>
+          </a:xfrm>
+          <a:prstGeom prst="line">
+            <a:avLst/>
+          </a:prstGeom>
+        </p:spPr>
+        <p:style>
+          <a:lnRef idx="1">
+            <a:schemeClr val="dk1"/>
+          </a:lnRef>
+          <a:fillRef idx="0">
+            <a:schemeClr val="dk1"/>
+          </a:fillRef>
+          <a:effectRef idx="0">
+            <a:schemeClr val="dk1"/>
+          </a:effectRef>
+          <a:fontRef idx="minor">
+            <a:schemeClr val="tx1"/>
+          </a:fontRef>
+        </p:style>
+      </p:cxnSp>
+      <p:sp>
+        <p:nvSpPr>
+          <p:cNvPr id="18" name="TextBox 17">
+            <a:extLst>
+              <a:ext uri="{FF2B5EF4-FFF2-40B4-BE49-F238E27FC236}">
+                <a16:creationId xmlns:a16="http://schemas.microsoft.com/office/drawing/2014/main" xmlns:a14="http://schemas.microsoft.com/office/drawing/2010/main" xmlns:mc="http://schemas.openxmlformats.org/markup-compatibility/2006" xmlns="" id="{477D47B3-68DD-481B-BB4B-05781BCD323E}"/>
+              </a:ext>
+            </a:extLst>
+          </p:cNvPr>
+          <p:cNvSpPr txBox="1"/>
+          <p:nvPr/>
+        </p:nvSpPr>
+        <p:spPr>
+          <a:xfrm>
+            <a:off x="6846614" y="3404044"/>
+            <a:ext cx="896399" cy="369332"/>
+          </a:xfrm>
+          <a:prstGeom prst="rect">
+            <a:avLst/>
+          </a:prstGeom>
+          <a:noFill/>
+        </p:spPr>
+        <p:txBody>
+          <a:bodyPr wrap="none" rtlCol="0">
+            <a:spAutoFit/>
+          </a:bodyPr>
+          <a:lstStyle/>
+          <a:p>
+            <a:r>
+              <a:rPr lang="en-US" altLang="ko-KR" dirty="0" smtClean="0"/>
+              <a:t>n &lt; </a:t>
+            </a:r>
+            <a:r>
+              <a:rPr lang="en-US" altLang="ko-KR" dirty="0"/>
+              <a:t>30</a:t>
+            </a:r>
+            <a:endParaRPr lang="ko-KR" altLang="en-US" dirty="0"/>
+          </a:p>
+        </p:txBody>
+      </p:sp>
+      <p:sp>
+        <p:nvSpPr>
+          <p:cNvPr id="19" name="TextBox 18">
+            <a:extLst>
+              <a:ext uri="{FF2B5EF4-FFF2-40B4-BE49-F238E27FC236}">
+                <a16:creationId xmlns:a16="http://schemas.microsoft.com/office/drawing/2014/main" xmlns="" id="{826C3248-2C75-4A5F-9819-55DD51494D07}"/>
+              </a:ext>
+            </a:extLst>
+          </p:cNvPr>
+          <p:cNvSpPr txBox="1"/>
+          <p:nvPr/>
+        </p:nvSpPr>
+        <p:spPr>
+          <a:xfrm>
+            <a:off x="9039507" y="3603285"/>
+            <a:ext cx="808235" cy="369332"/>
+          </a:xfrm>
+          <a:prstGeom prst="rect">
+            <a:avLst/>
+          </a:prstGeom>
+          <a:noFill/>
+        </p:spPr>
+        <p:txBody>
+          <a:bodyPr wrap="none" rtlCol="0">
+            <a:spAutoFit/>
+          </a:bodyPr>
+          <a:lstStyle/>
+          <a:p>
+            <a:r>
+              <a:rPr lang="en-US" altLang="ko-KR" dirty="0"/>
+              <a:t>t </a:t>
+            </a:r>
+            <a:r>
+              <a:rPr lang="ko-KR" altLang="en-US" dirty="0"/>
+              <a:t>검정</a:t>
+            </a:r>
+          </a:p>
+        </p:txBody>
+      </p:sp>
     </p:spTree>
     <p:extLst>
       <p:ext uri="{BB962C8B-B14F-4D97-AF65-F5344CB8AC3E}">
@@ -9641,7 +9616,7 @@
 </p:sld>
 </file>
 
-<file path=ppt/slides/slide28.xml><?xml version="1.0" encoding="utf-8"?>
+<file path=ppt/slides/slide27.xml><?xml version="1.0" encoding="utf-8"?>
 <p:sld xmlns:a="http://schemas.openxmlformats.org/drawingml/2006/main" xmlns:r="http://schemas.openxmlformats.org/officeDocument/2006/relationships" xmlns:p="http://schemas.openxmlformats.org/presentationml/2006/main">
   <p:cSld>
     <p:spTree>
@@ -9663,7 +9638,7 @@
           <p:cNvPr id="2" name="제목 1">
             <a:extLst>
               <a:ext uri="{FF2B5EF4-FFF2-40B4-BE49-F238E27FC236}">
-                <a16:creationId xmlns:a16="http://schemas.microsoft.com/office/drawing/2014/main" id="{8B7A7A97-494F-4A1F-BB56-053858E68BEF}"/>
+                <a16:creationId xmlns:a16="http://schemas.microsoft.com/office/drawing/2014/main" xmlns="" id="{8B7A7A97-494F-4A1F-BB56-053858E68BEF}"/>
               </a:ext>
             </a:extLst>
           </p:cNvPr>
@@ -9692,7 +9667,7 @@
           <p:cNvPr id="4" name="내용 개체 틀 3">
             <a:extLst>
               <a:ext uri="{FF2B5EF4-FFF2-40B4-BE49-F238E27FC236}">
-                <a16:creationId xmlns:a16="http://schemas.microsoft.com/office/drawing/2014/main" id="{BFAD9CEA-17BF-42CD-9BB0-F242B17AA0D3}"/>
+                <a16:creationId xmlns:a16="http://schemas.microsoft.com/office/drawing/2014/main" xmlns="" id="{BFAD9CEA-17BF-42CD-9BB0-F242B17AA0D3}"/>
               </a:ext>
             </a:extLst>
           </p:cNvPr>
@@ -9724,7 +9699,7 @@
           <p:cNvPr id="5" name="그림 4">
             <a:extLst>
               <a:ext uri="{FF2B5EF4-FFF2-40B4-BE49-F238E27FC236}">
-                <a16:creationId xmlns:a16="http://schemas.microsoft.com/office/drawing/2014/main" id="{DE7924B3-9E5B-4331-954B-B6D804D0FA29}"/>
+                <a16:creationId xmlns:a16="http://schemas.microsoft.com/office/drawing/2014/main" xmlns="" id="{DE7924B3-9E5B-4331-954B-B6D804D0FA29}"/>
               </a:ext>
             </a:extLst>
           </p:cNvPr>
@@ -9784,7 +9759,7 @@
           <p:cNvPr id="2" name="제목 1">
             <a:extLst>
               <a:ext uri="{FF2B5EF4-FFF2-40B4-BE49-F238E27FC236}">
-                <a16:creationId xmlns:a16="http://schemas.microsoft.com/office/drawing/2014/main" id="{49626BD6-18BE-403C-AA86-11A15687B7DA}"/>
+                <a16:creationId xmlns:a16="http://schemas.microsoft.com/office/drawing/2014/main" xmlns="" id="{49626BD6-18BE-403C-AA86-11A15687B7DA}"/>
               </a:ext>
             </a:extLst>
           </p:cNvPr>
@@ -9817,7 +9792,7 @@
           <p:cNvPr id="8" name="원통형 7">
             <a:extLst>
               <a:ext uri="{FF2B5EF4-FFF2-40B4-BE49-F238E27FC236}">
-                <a16:creationId xmlns:a16="http://schemas.microsoft.com/office/drawing/2014/main" id="{E2919D7B-84F2-432B-977A-C7B12D486510}"/>
+                <a16:creationId xmlns:a16="http://schemas.microsoft.com/office/drawing/2014/main" xmlns="" id="{E2919D7B-84F2-432B-977A-C7B12D486510}"/>
               </a:ext>
             </a:extLst>
           </p:cNvPr>
@@ -9870,7 +9845,7 @@
           <p:cNvPr id="10" name="화살표: 왼쪽 9">
             <a:extLst>
               <a:ext uri="{FF2B5EF4-FFF2-40B4-BE49-F238E27FC236}">
-                <a16:creationId xmlns:a16="http://schemas.microsoft.com/office/drawing/2014/main" id="{C6BA3BBA-4A96-4007-8DFA-5EAC03DD94ED}"/>
+                <a16:creationId xmlns:a16="http://schemas.microsoft.com/office/drawing/2014/main" xmlns="" id="{C6BA3BBA-4A96-4007-8DFA-5EAC03DD94ED}"/>
               </a:ext>
             </a:extLst>
           </p:cNvPr>
@@ -9924,7 +9899,7 @@
           <p:cNvPr id="11" name="TextBox 10">
             <a:extLst>
               <a:ext uri="{FF2B5EF4-FFF2-40B4-BE49-F238E27FC236}">
-                <a16:creationId xmlns:a16="http://schemas.microsoft.com/office/drawing/2014/main" id="{E0FB8AEA-E393-4561-9FC2-A4C4422B73DA}"/>
+                <a16:creationId xmlns:a16="http://schemas.microsoft.com/office/drawing/2014/main" xmlns="" id="{E0FB8AEA-E393-4561-9FC2-A4C4422B73DA}"/>
               </a:ext>
             </a:extLst>
           </p:cNvPr>
@@ -9963,7 +9938,7 @@
           <p:cNvPr id="14" name="화살표: 왼쪽 13">
             <a:extLst>
               <a:ext uri="{FF2B5EF4-FFF2-40B4-BE49-F238E27FC236}">
-                <a16:creationId xmlns:a16="http://schemas.microsoft.com/office/drawing/2014/main" id="{88EA4798-F996-41FA-9432-463E19FA651E}"/>
+                <a16:creationId xmlns:a16="http://schemas.microsoft.com/office/drawing/2014/main" xmlns="" id="{88EA4798-F996-41FA-9432-463E19FA651E}"/>
               </a:ext>
             </a:extLst>
           </p:cNvPr>
@@ -10017,7 +9992,7 @@
           <p:cNvPr id="16" name="TextBox 15">
             <a:extLst>
               <a:ext uri="{FF2B5EF4-FFF2-40B4-BE49-F238E27FC236}">
-                <a16:creationId xmlns:a16="http://schemas.microsoft.com/office/drawing/2014/main" id="{985EA362-DE67-42CB-89B1-A176E8504B03}"/>
+                <a16:creationId xmlns:a16="http://schemas.microsoft.com/office/drawing/2014/main" xmlns="" id="{985EA362-DE67-42CB-89B1-A176E8504B03}"/>
               </a:ext>
             </a:extLst>
           </p:cNvPr>
@@ -10057,7 +10032,7 @@
           <p:cNvPr id="17" name="원통형 16">
             <a:extLst>
               <a:ext uri="{FF2B5EF4-FFF2-40B4-BE49-F238E27FC236}">
-                <a16:creationId xmlns:a16="http://schemas.microsoft.com/office/drawing/2014/main" id="{564AF5B1-C21E-49BD-AC92-21C19277CBC1}"/>
+                <a16:creationId xmlns:a16="http://schemas.microsoft.com/office/drawing/2014/main" xmlns="" id="{564AF5B1-C21E-49BD-AC92-21C19277CBC1}"/>
               </a:ext>
             </a:extLst>
           </p:cNvPr>
@@ -10109,7 +10084,7 @@
           <p:cNvPr id="21" name="그림 20">
             <a:extLst>
               <a:ext uri="{FF2B5EF4-FFF2-40B4-BE49-F238E27FC236}">
-                <a16:creationId xmlns:a16="http://schemas.microsoft.com/office/drawing/2014/main" id="{46A06AC0-8CCD-4A46-9E6E-BE2B2CF2AA33}"/>
+                <a16:creationId xmlns:a16="http://schemas.microsoft.com/office/drawing/2014/main" xmlns="" id="{46A06AC0-8CCD-4A46-9E6E-BE2B2CF2AA33}"/>
               </a:ext>
             </a:extLst>
           </p:cNvPr>
@@ -10139,7 +10114,7 @@
           <p:cNvPr id="22" name="화살표: 왼쪽 21">
             <a:extLst>
               <a:ext uri="{FF2B5EF4-FFF2-40B4-BE49-F238E27FC236}">
-                <a16:creationId xmlns:a16="http://schemas.microsoft.com/office/drawing/2014/main" id="{4E6CE831-4832-4845-A9E1-935E5C650E36}"/>
+                <a16:creationId xmlns:a16="http://schemas.microsoft.com/office/drawing/2014/main" xmlns="" id="{4E6CE831-4832-4845-A9E1-935E5C650E36}"/>
               </a:ext>
             </a:extLst>
           </p:cNvPr>
@@ -10193,7 +10168,7 @@
           <p:cNvPr id="23" name="TextBox 22">
             <a:extLst>
               <a:ext uri="{FF2B5EF4-FFF2-40B4-BE49-F238E27FC236}">
-                <a16:creationId xmlns:a16="http://schemas.microsoft.com/office/drawing/2014/main" id="{139EDDCA-C97A-4B5E-B6F2-68524EDF855A}"/>
+                <a16:creationId xmlns:a16="http://schemas.microsoft.com/office/drawing/2014/main" xmlns="" id="{139EDDCA-C97A-4B5E-B6F2-68524EDF855A}"/>
               </a:ext>
             </a:extLst>
           </p:cNvPr>
@@ -10232,7 +10207,7 @@
           <p:cNvPr id="24" name="화살표: 왼쪽 23">
             <a:extLst>
               <a:ext uri="{FF2B5EF4-FFF2-40B4-BE49-F238E27FC236}">
-                <a16:creationId xmlns:a16="http://schemas.microsoft.com/office/drawing/2014/main" id="{9A1420CD-E588-4A54-A18D-30552CEBFC17}"/>
+                <a16:creationId xmlns:a16="http://schemas.microsoft.com/office/drawing/2014/main" xmlns="" id="{9A1420CD-E588-4A54-A18D-30552CEBFC17}"/>
               </a:ext>
             </a:extLst>
           </p:cNvPr>
@@ -10286,7 +10261,7 @@
           <p:cNvPr id="26" name="TextBox 25">
             <a:extLst>
               <a:ext uri="{FF2B5EF4-FFF2-40B4-BE49-F238E27FC236}">
-                <a16:creationId xmlns:a16="http://schemas.microsoft.com/office/drawing/2014/main" id="{F207B0EE-AAC5-422C-8C7A-1D3DF5FB2266}"/>
+                <a16:creationId xmlns:a16="http://schemas.microsoft.com/office/drawing/2014/main" xmlns="" id="{F207B0EE-AAC5-422C-8C7A-1D3DF5FB2266}"/>
               </a:ext>
             </a:extLst>
           </p:cNvPr>
@@ -10355,7 +10330,7 @@
           <p:cNvPr id="2" name="제목 1">
             <a:extLst>
               <a:ext uri="{FF2B5EF4-FFF2-40B4-BE49-F238E27FC236}">
-                <a16:creationId xmlns:a16="http://schemas.microsoft.com/office/drawing/2014/main" id="{69D1C9D9-8BC5-44A2-982B-D4F2123A6944}"/>
+                <a16:creationId xmlns:a16="http://schemas.microsoft.com/office/drawing/2014/main" xmlns="" id="{69D1C9D9-8BC5-44A2-982B-D4F2123A6944}"/>
               </a:ext>
             </a:extLst>
           </p:cNvPr>
@@ -10383,7 +10358,7 @@
           <p:cNvPr id="3" name="내용 개체 틀 2">
             <a:extLst>
               <a:ext uri="{FF2B5EF4-FFF2-40B4-BE49-F238E27FC236}">
-                <a16:creationId xmlns:a16="http://schemas.microsoft.com/office/drawing/2014/main" id="{EAC1798B-2DA9-495A-A029-86B55E0E6954}"/>
+                <a16:creationId xmlns:a16="http://schemas.microsoft.com/office/drawing/2014/main" xmlns="" id="{EAC1798B-2DA9-495A-A029-86B55E0E6954}"/>
               </a:ext>
             </a:extLst>
           </p:cNvPr>
@@ -10432,7 +10407,7 @@
           <p:cNvPr id="4" name="내용 개체 틀 2">
             <a:extLst>
               <a:ext uri="{FF2B5EF4-FFF2-40B4-BE49-F238E27FC236}">
-                <a16:creationId xmlns:a16="http://schemas.microsoft.com/office/drawing/2014/main" id="{10EF5666-3CF1-4113-8BB7-DA1D381DC58F}"/>
+                <a16:creationId xmlns:a16="http://schemas.microsoft.com/office/drawing/2014/main" xmlns="" id="{10EF5666-3CF1-4113-8BB7-DA1D381DC58F}"/>
               </a:ext>
             </a:extLst>
           </p:cNvPr>
@@ -10645,7 +10620,7 @@
           <p:cNvPr id="6" name="내용 개체 틀 2">
             <a:extLst>
               <a:ext uri="{FF2B5EF4-FFF2-40B4-BE49-F238E27FC236}">
-                <a16:creationId xmlns:a16="http://schemas.microsoft.com/office/drawing/2014/main" id="{FD6106AC-196E-4DB1-BA01-1A27D0308281}"/>
+                <a16:creationId xmlns:a16="http://schemas.microsoft.com/office/drawing/2014/main" xmlns="" id="{FD6106AC-196E-4DB1-BA01-1A27D0308281}"/>
               </a:ext>
             </a:extLst>
           </p:cNvPr>
@@ -10897,7 +10872,7 @@
           <p:cNvPr id="7" name="내용 개체 틀 2">
             <a:extLst>
               <a:ext uri="{FF2B5EF4-FFF2-40B4-BE49-F238E27FC236}">
-                <a16:creationId xmlns:a16="http://schemas.microsoft.com/office/drawing/2014/main" id="{3F9A2F93-D4A0-4218-957C-3902F90AF18E}"/>
+                <a16:creationId xmlns:a16="http://schemas.microsoft.com/office/drawing/2014/main" xmlns="" id="{3F9A2F93-D4A0-4218-957C-3902F90AF18E}"/>
               </a:ext>
             </a:extLst>
           </p:cNvPr>
@@ -11172,7 +11147,7 @@
           <p:cNvPr id="2" name="제목 1">
             <a:extLst>
               <a:ext uri="{FF2B5EF4-FFF2-40B4-BE49-F238E27FC236}">
-                <a16:creationId xmlns:a16="http://schemas.microsoft.com/office/drawing/2014/main" id="{49626BD6-18BE-403C-AA86-11A15687B7DA}"/>
+                <a16:creationId xmlns:a16="http://schemas.microsoft.com/office/drawing/2014/main" xmlns="" id="{49626BD6-18BE-403C-AA86-11A15687B7DA}"/>
               </a:ext>
             </a:extLst>
           </p:cNvPr>
@@ -11200,14 +11175,14 @@
           </a:p>
         </p:txBody>
       </p:sp>
-      <mc:AlternateContent xmlns:mc="http://schemas.openxmlformats.org/markup-compatibility/2006">
-        <mc:Choice xmlns:a14="http://schemas.microsoft.com/office/drawing/2010/main" Requires="a14">
+      <mc:AlternateContent xmlns:mc="http://schemas.openxmlformats.org/markup-compatibility/2006" xmlns:a14="http://schemas.microsoft.com/office/drawing/2010/main">
+        <mc:Choice Requires="a14">
           <p:sp>
             <p:nvSpPr>
               <p:cNvPr id="3" name="내용 개체 틀 2">
                 <a:extLst>
                   <a:ext uri="{FF2B5EF4-FFF2-40B4-BE49-F238E27FC236}">
-                    <a16:creationId xmlns:a16="http://schemas.microsoft.com/office/drawing/2014/main" id="{552BE14C-9555-4748-83E4-17377A899AD9}"/>
+                    <a16:creationId xmlns:a16="http://schemas.microsoft.com/office/drawing/2014/main" xmlns="" id="{552BE14C-9555-4748-83E4-17377A899AD9}"/>
                   </a:ext>
                 </a:extLst>
               </p:cNvPr>
@@ -11267,37 +11242,37 @@
                 </a:r>
                 <a14:m>
                   <m:oMath xmlns:m="http://schemas.openxmlformats.org/officeDocument/2006/math">
-                    <a:fld id="{825F15A7-03F4-43D7-82C5-3E23DA2F108C}" type="mathplaceholder">
+                    <a:fld id="{ACD45A89-952A-4CC0-94AE-888A725A9E58}" type="mathplaceholder">
                       <a:rPr lang="ko-KR" altLang="en-US" sz="1800" i="1" smtClean="0">
                         <a:latin typeface="Cambria Math" panose="02040503050406030204" pitchFamily="18" charset="0"/>
                       </a:rPr>
                       <a:t>여기에</a:t>
                     </a:fld>
-                    <a:fld id="{825F15A7-03F4-43D7-82C5-3E23DA2F108C}" type="mathplaceholder">
+                    <a:fld id="{58FBD9C8-57AA-411A-BD07-BEB20705D2C2}" type="mathplaceholder">
                       <a:rPr lang="ko-KR" altLang="en-US" sz="1800" i="1" smtClean="0">
                         <a:latin typeface="Cambria Math" panose="02040503050406030204" pitchFamily="18" charset="0"/>
                       </a:rPr>
                       <a:t> </a:t>
                     </a:fld>
-                    <a:fld id="{825F15A7-03F4-43D7-82C5-3E23DA2F108C}" type="mathplaceholder">
+                    <a:fld id="{6EB990EC-769B-455B-AEF9-6B9249ECB3B3}" type="mathplaceholder">
                       <a:rPr lang="ko-KR" altLang="en-US" sz="1800" i="1" smtClean="0">
                         <a:latin typeface="Cambria Math" panose="02040503050406030204" pitchFamily="18" charset="0"/>
                       </a:rPr>
                       <a:t>수식을</a:t>
                     </a:fld>
-                    <a:fld id="{825F15A7-03F4-43D7-82C5-3E23DA2F108C}" type="mathplaceholder">
+                    <a:fld id="{6387F91D-D9E7-4A18-B8B9-4311E2DB456F}" type="mathplaceholder">
                       <a:rPr lang="ko-KR" altLang="en-US" sz="1800" i="1" smtClean="0">
                         <a:latin typeface="Cambria Math" panose="02040503050406030204" pitchFamily="18" charset="0"/>
                       </a:rPr>
                       <a:t> </a:t>
                     </a:fld>
-                    <a:fld id="{825F15A7-03F4-43D7-82C5-3E23DA2F108C}" type="mathplaceholder">
+                    <a:fld id="{FD4F9E18-82FF-44F1-A7D1-80A30435C94E}" type="mathplaceholder">
                       <a:rPr lang="ko-KR" altLang="en-US" sz="1800" i="1" smtClean="0">
                         <a:latin typeface="Cambria Math" panose="02040503050406030204" pitchFamily="18" charset="0"/>
                       </a:rPr>
                       <a:t>입력하십시오</a:t>
                     </a:fld>
-                    <a:fld id="{825F15A7-03F4-43D7-82C5-3E23DA2F108C}" type="mathplaceholder">
+                    <a:fld id="{5FE02084-4FF9-49EB-876A-2859D6E1BDE7}" type="mathplaceholder">
                       <a:rPr lang="ko-KR" altLang="en-US" sz="1800" i="1" smtClean="0">
                         <a:latin typeface="Cambria Math" panose="02040503050406030204" pitchFamily="18" charset="0"/>
                       </a:rPr>
@@ -11381,7 +11356,7 @@
                         <m:fPr>
                           <m:ctrlPr>
                             <a:rPr lang="en-US" altLang="ko-KR" sz="1800" i="1" smtClean="0">
-                              <a:latin typeface="Cambria Math" panose="02040503050406030204" pitchFamily="18" charset="0"/>
+                              <a:latin typeface="Cambria Math"/>
                             </a:rPr>
                           </m:ctrlPr>
                         </m:fPr>
@@ -11411,7 +11386,7 @@
                               <m:type m:val="lin"/>
                               <m:ctrlPr>
                                 <a:rPr lang="en-US" altLang="ko-KR" sz="1800" i="1" smtClean="0">
-                                  <a:latin typeface="Cambria Math" panose="02040503050406030204" pitchFamily="18" charset="0"/>
+                                  <a:latin typeface="Cambria Math"/>
                                 </a:rPr>
                               </m:ctrlPr>
                             </m:fPr>
@@ -11429,7 +11404,7 @@
                                   <m:degHide m:val="on"/>
                                   <m:ctrlPr>
                                     <a:rPr lang="en-US" altLang="ko-KR" sz="1800" i="1" smtClean="0">
-                                      <a:latin typeface="Cambria Math" panose="02040503050406030204" pitchFamily="18" charset="0"/>
+                                      <a:latin typeface="Cambria Math"/>
                                     </a:rPr>
                                   </m:ctrlPr>
                                 </m:radPr>
@@ -11492,7 +11467,7 @@
                         <m:type m:val="lin"/>
                         <m:ctrlPr>
                           <a:rPr lang="en-US" altLang="ko-KR" sz="1800" i="1" smtClean="0">
-                            <a:latin typeface="Cambria Math" panose="02040503050406030204" pitchFamily="18" charset="0"/>
+                            <a:latin typeface="Cambria Math"/>
                           </a:rPr>
                         </m:ctrlPr>
                       </m:fPr>
@@ -11510,7 +11485,7 @@
                             <m:degHide m:val="on"/>
                             <m:ctrlPr>
                               <a:rPr lang="en-US" altLang="ko-KR" sz="1800" i="1" smtClean="0">
-                                <a:latin typeface="Cambria Math" panose="02040503050406030204" pitchFamily="18" charset="0"/>
+                                <a:latin typeface="Cambria Math"/>
                               </a:rPr>
                             </m:ctrlPr>
                           </m:radPr>
@@ -11541,7 +11516,7 @@
             </p:txBody>
           </p:sp>
         </mc:Choice>
-        <mc:Fallback>
+        <mc:Fallback xmlns="">
           <p:sp>
             <p:nvSpPr>
               <p:cNvPr id="3" name="내용 개체 틀 2">
@@ -11592,7 +11567,7 @@
               <p:cNvPr id="5" name="내용 개체 틀 2">
                 <a:extLst>
                   <a:ext uri="{FF2B5EF4-FFF2-40B4-BE49-F238E27FC236}">
-                    <a16:creationId xmlns:a16="http://schemas.microsoft.com/office/drawing/2014/main" id="{05028768-3801-4277-A2B3-F1C6C0111844}"/>
+                    <a16:creationId xmlns:a16="http://schemas.microsoft.com/office/drawing/2014/main" xmlns="" id="{05028768-3801-4277-A2B3-F1C6C0111844}"/>
                   </a:ext>
                 </a:extLst>
               </p:cNvPr>
@@ -11874,7 +11849,7 @@
                         <m:sSubPr>
                           <m:ctrlPr>
                             <a:rPr lang="en-US" altLang="ko-KR" sz="1800" i="1" smtClean="0">
-                              <a:latin typeface="Cambria Math" panose="02040503050406030204" pitchFamily="18" charset="0"/>
+                              <a:latin typeface="Cambria Math"/>
                             </a:rPr>
                           </m:ctrlPr>
                         </m:sSubPr>
@@ -11911,7 +11886,7 @@
                         <m:fPr>
                           <m:ctrlPr>
                             <a:rPr lang="en-US" altLang="ko-KR" sz="1800" i="1">
-                              <a:latin typeface="Cambria Math" panose="02040503050406030204" pitchFamily="18" charset="0"/>
+                              <a:latin typeface="Cambria Math"/>
                             </a:rPr>
                           </m:ctrlPr>
                         </m:fPr>
@@ -11941,7 +11916,7 @@
                               <m:type m:val="lin"/>
                               <m:ctrlPr>
                                 <a:rPr lang="en-US" altLang="ko-KR" sz="1800" i="1">
-                                  <a:latin typeface="Cambria Math" panose="02040503050406030204" pitchFamily="18" charset="0"/>
+                                  <a:latin typeface="Cambria Math"/>
                                 </a:rPr>
                               </m:ctrlPr>
                             </m:fPr>
@@ -11959,7 +11934,7 @@
                                   <m:degHide m:val="on"/>
                                   <m:ctrlPr>
                                     <a:rPr lang="en-US" altLang="ko-KR" sz="1800" i="1">
-                                      <a:latin typeface="Cambria Math" panose="02040503050406030204" pitchFamily="18" charset="0"/>
+                                      <a:latin typeface="Cambria Math"/>
                                     </a:rPr>
                                   </m:ctrlPr>
                                 </m:radPr>
@@ -12022,7 +11997,7 @@
                         <m:type m:val="lin"/>
                         <m:ctrlPr>
                           <a:rPr lang="en-US" altLang="ko-KR" sz="1800" i="1">
-                            <a:latin typeface="Cambria Math" panose="02040503050406030204" pitchFamily="18" charset="0"/>
+                            <a:latin typeface="Cambria Math"/>
                           </a:rPr>
                         </m:ctrlPr>
                       </m:fPr>
@@ -12040,7 +12015,7 @@
                             <m:degHide m:val="on"/>
                             <m:ctrlPr>
                               <a:rPr lang="en-US" altLang="ko-KR" sz="1800" i="1">
-                                <a:latin typeface="Cambria Math" panose="02040503050406030204" pitchFamily="18" charset="0"/>
+                                <a:latin typeface="Cambria Math"/>
                               </a:rPr>
                             </m:ctrlPr>
                           </m:radPr>
@@ -12091,8 +12066,12 @@
                   <a:t> : </a:t>
                 </a:r>
                 <a:r>
-                  <a:rPr lang="ko-KR" altLang="en-US" sz="1800" dirty="0"/>
+                  <a:rPr lang="ko-KR" altLang="en-US" sz="1800" dirty="0" smtClean="0"/>
                   <a:t>자유도</a:t>
+                </a:r>
+                <a:r>
+                  <a:rPr lang="en-US" altLang="ko-KR" sz="1800" dirty="0" smtClean="0"/>
+                  <a:t>)</a:t>
                 </a:r>
                 <a:endParaRPr lang="en-US" altLang="ko-KR" sz="1800" dirty="0"/>
               </a:p>
@@ -12105,7 +12084,7 @@
               <p:cNvPr id="5" name="내용 개체 틀 2">
                 <a:extLst>
                   <a:ext uri="{FF2B5EF4-FFF2-40B4-BE49-F238E27FC236}">
-                    <a16:creationId xmlns:a16="http://schemas.microsoft.com/office/drawing/2014/main" id="{05028768-3801-4277-A2B3-F1C6C0111844}"/>
+                    <a16:creationId xmlns:a16="http://schemas.microsoft.com/office/drawing/2014/main" xmlns:a14="http://schemas.microsoft.com/office/drawing/2010/main" xmlns="" id="{05028768-3801-4277-A2B3-F1C6C0111844}"/>
                   </a:ext>
                 </a:extLst>
               </p:cNvPr>
@@ -12122,7 +12101,7 @@
               <a:prstGeom prst="rect">
                 <a:avLst/>
               </a:prstGeom>
-              <a:blipFill>
+              <a:blipFill rotWithShape="1">
                 <a:blip r:embed="rId3"/>
                 <a:stretch>
                   <a:fillRect l="-928" t="-4323" b="-27089"/>
@@ -12179,7 +12158,7 @@
           <p:cNvPr id="2" name="제목 1">
             <a:extLst>
               <a:ext uri="{FF2B5EF4-FFF2-40B4-BE49-F238E27FC236}">
-                <a16:creationId xmlns:a16="http://schemas.microsoft.com/office/drawing/2014/main" id="{49626BD6-18BE-403C-AA86-11A15687B7DA}"/>
+                <a16:creationId xmlns:a16="http://schemas.microsoft.com/office/drawing/2014/main" xmlns="" id="{49626BD6-18BE-403C-AA86-11A15687B7DA}"/>
               </a:ext>
             </a:extLst>
           </p:cNvPr>
@@ -12207,14 +12186,14 @@
           </a:p>
         </p:txBody>
       </p:sp>
-      <mc:AlternateContent xmlns:mc="http://schemas.openxmlformats.org/markup-compatibility/2006">
-        <mc:Choice xmlns:a14="http://schemas.microsoft.com/office/drawing/2010/main" Requires="a14">
+      <mc:AlternateContent xmlns:mc="http://schemas.openxmlformats.org/markup-compatibility/2006" xmlns:a14="http://schemas.microsoft.com/office/drawing/2010/main">
+        <mc:Choice Requires="a14">
           <p:sp>
             <p:nvSpPr>
               <p:cNvPr id="3" name="내용 개체 틀 2">
                 <a:extLst>
                   <a:ext uri="{FF2B5EF4-FFF2-40B4-BE49-F238E27FC236}">
-                    <a16:creationId xmlns:a16="http://schemas.microsoft.com/office/drawing/2014/main" id="{552BE14C-9555-4748-83E4-17377A899AD9}"/>
+                    <a16:creationId xmlns:a16="http://schemas.microsoft.com/office/drawing/2014/main" xmlns="" id="{552BE14C-9555-4748-83E4-17377A899AD9}"/>
                   </a:ext>
                 </a:extLst>
               </p:cNvPr>
@@ -12278,7 +12257,7 @@
                       <m:fPr>
                         <m:ctrlPr>
                           <a:rPr lang="en-US" altLang="ko-KR" sz="1800" i="1" smtClean="0">
-                            <a:latin typeface="Cambria Math" panose="02040503050406030204" pitchFamily="18" charset="0"/>
+                            <a:latin typeface="Cambria Math"/>
                           </a:rPr>
                         </m:ctrlPr>
                       </m:fPr>
@@ -12308,7 +12287,7 @@
                             <m:type m:val="lin"/>
                             <m:ctrlPr>
                               <a:rPr lang="en-US" altLang="ko-KR" sz="1800" i="1" smtClean="0">
-                                <a:latin typeface="Cambria Math" panose="02040503050406030204" pitchFamily="18" charset="0"/>
+                                <a:latin typeface="Cambria Math"/>
                               </a:rPr>
                             </m:ctrlPr>
                           </m:fPr>
@@ -12326,7 +12305,7 @@
                                 <m:degHide m:val="on"/>
                                 <m:ctrlPr>
                                   <a:rPr lang="en-US" altLang="ko-KR" sz="1800" i="1" smtClean="0">
-                                    <a:latin typeface="Cambria Math" panose="02040503050406030204" pitchFamily="18" charset="0"/>
+                                    <a:latin typeface="Cambria Math"/>
                                   </a:rPr>
                                 </m:ctrlPr>
                               </m:radPr>
@@ -12360,7 +12339,7 @@
                       <m:sSubPr>
                         <m:ctrlPr>
                           <a:rPr lang="en-US" altLang="ko-KR" i="1">
-                            <a:latin typeface="Cambria Math" panose="02040503050406030204" pitchFamily="18" charset="0"/>
+                            <a:latin typeface="Cambria Math"/>
                           </a:rPr>
                         </m:ctrlPr>
                       </m:sSubPr>
@@ -12403,7 +12382,7 @@
                       <m:fPr>
                         <m:ctrlPr>
                           <a:rPr lang="en-US" altLang="ko-KR" i="1">
-                            <a:latin typeface="Cambria Math" panose="02040503050406030204" pitchFamily="18" charset="0"/>
+                            <a:latin typeface="Cambria Math"/>
                           </a:rPr>
                         </m:ctrlPr>
                       </m:fPr>
@@ -12433,7 +12412,7 @@
                             <m:type m:val="lin"/>
                             <m:ctrlPr>
                               <a:rPr lang="en-US" altLang="ko-KR" i="1">
-                                <a:latin typeface="Cambria Math" panose="02040503050406030204" pitchFamily="18" charset="0"/>
+                                <a:latin typeface="Cambria Math"/>
                               </a:rPr>
                             </m:ctrlPr>
                           </m:fPr>
@@ -12451,7 +12430,7 @@
                                 <m:degHide m:val="on"/>
                                 <m:ctrlPr>
                                   <a:rPr lang="en-US" altLang="ko-KR" i="1">
-                                    <a:latin typeface="Cambria Math" panose="02040503050406030204" pitchFamily="18" charset="0"/>
+                                    <a:latin typeface="Cambria Math"/>
                                   </a:rPr>
                                 </m:ctrlPr>
                               </m:radPr>
@@ -12532,7 +12511,7 @@
             </p:txBody>
           </p:sp>
         </mc:Choice>
-        <mc:Fallback>
+        <mc:Fallback xmlns="">
           <p:sp>
             <p:nvSpPr>
               <p:cNvPr id="3" name="내용 개체 틀 2">
@@ -12581,7 +12560,7 @@
           <p:cNvPr id="4" name="그림 3">
             <a:extLst>
               <a:ext uri="{FF2B5EF4-FFF2-40B4-BE49-F238E27FC236}">
-                <a16:creationId xmlns:a16="http://schemas.microsoft.com/office/drawing/2014/main" id="{CDED732E-2E58-4A87-91E2-63B6A6484525}"/>
+                <a16:creationId xmlns:a16="http://schemas.microsoft.com/office/drawing/2014/main" xmlns="" id="{CDED732E-2E58-4A87-91E2-63B6A6484525}"/>
               </a:ext>
             </a:extLst>
           </p:cNvPr>
@@ -12636,14 +12615,14 @@
           <a:chExt cx="0" cy="0"/>
         </a:xfrm>
       </p:grpSpPr>
-      <mc:AlternateContent xmlns:mc="http://schemas.openxmlformats.org/markup-compatibility/2006">
-        <mc:Choice xmlns:a14="http://schemas.microsoft.com/office/drawing/2010/main" Requires="a14">
+      <mc:AlternateContent xmlns:mc="http://schemas.openxmlformats.org/markup-compatibility/2006" xmlns:a14="http://schemas.microsoft.com/office/drawing/2010/main">
+        <mc:Choice Requires="a14">
           <p:sp>
             <p:nvSpPr>
               <p:cNvPr id="2" name="제목 1">
                 <a:extLst>
                   <a:ext uri="{FF2B5EF4-FFF2-40B4-BE49-F238E27FC236}">
-                    <a16:creationId xmlns:a16="http://schemas.microsoft.com/office/drawing/2014/main" id="{49626BD6-18BE-403C-AA86-11A15687B7DA}"/>
+                    <a16:creationId xmlns:a16="http://schemas.microsoft.com/office/drawing/2014/main" xmlns="" id="{49626BD6-18BE-403C-AA86-11A15687B7DA}"/>
                   </a:ext>
                 </a:extLst>
               </p:cNvPr>
@@ -12670,7 +12649,7 @@
                       <m:sSupPr>
                         <m:ctrlPr>
                           <a:rPr lang="ko-KR" altLang="en-US" i="1" smtClean="0">
-                            <a:latin typeface="Cambria Math" panose="02040503050406030204" pitchFamily="18" charset="0"/>
+                            <a:latin typeface="Cambria Math"/>
                           </a:rPr>
                         </m:ctrlPr>
                       </m:sSupPr>
@@ -12701,7 +12680,7 @@
             </p:txBody>
           </p:sp>
         </mc:Choice>
-        <mc:Fallback>
+        <mc:Fallback xmlns="">
           <p:sp>
             <p:nvSpPr>
               <p:cNvPr id="2" name="제목 1">
@@ -12750,7 +12729,7 @@
           <p:cNvPr id="3" name="내용 개체 틀 2">
             <a:extLst>
               <a:ext uri="{FF2B5EF4-FFF2-40B4-BE49-F238E27FC236}">
-                <a16:creationId xmlns:a16="http://schemas.microsoft.com/office/drawing/2014/main" id="{552BE14C-9555-4748-83E4-17377A899AD9}"/>
+                <a16:creationId xmlns:a16="http://schemas.microsoft.com/office/drawing/2014/main" xmlns="" id="{552BE14C-9555-4748-83E4-17377A899AD9}"/>
               </a:ext>
             </a:extLst>
           </p:cNvPr>
@@ -12763,7 +12742,7 @@
         </p:nvSpPr>
         <p:spPr>
           <a:xfrm>
-            <a:off x="838200" y="1587082"/>
+            <a:off x="838200" y="1707402"/>
             <a:ext cx="10515600" cy="2618392"/>
           </a:xfrm>
         </p:spPr>
@@ -12798,53 +12777,6 @@
           <a:p>
             <a:endParaRPr lang="en-US" altLang="ko-KR" dirty="0"/>
           </a:p>
-          <a:p>
-            <a:r>
-              <a:rPr lang="ko-KR" altLang="en-US" dirty="0"/>
-              <a:t>확률변수 이 표준정규분포이면서 독립이라면</a:t>
-            </a:r>
-            <a:r>
-              <a:rPr lang="en-US" altLang="ko-KR" dirty="0"/>
-              <a:t>, → </a:t>
-            </a:r>
-            <a:r>
-              <a:rPr lang="ko-KR" altLang="en-US" dirty="0"/>
-              <a:t>은 새로운 확률변수를 구성하게 되고</a:t>
-            </a:r>
-            <a:r>
-              <a:rPr lang="en-US" altLang="ko-KR" dirty="0"/>
-              <a:t>, </a:t>
-            </a:r>
-            <a:r>
-              <a:rPr lang="ko-KR" altLang="en-US" dirty="0"/>
-              <a:t>이 분포를 자유도가 </a:t>
-            </a:r>
-            <a:r>
-              <a:rPr lang="en-US" altLang="ko-KR" dirty="0"/>
-              <a:t>n</a:t>
-            </a:r>
-            <a:r>
-              <a:rPr lang="ko-KR" altLang="en-US" dirty="0"/>
-              <a:t>인 𝝌</a:t>
-            </a:r>
-            <a:r>
-              <a:rPr lang="en-US" altLang="ko-KR" dirty="0"/>
-              <a:t>2</a:t>
-            </a:r>
-            <a:r>
-              <a:rPr lang="ko-KR" altLang="en-US" dirty="0"/>
-              <a:t>분포라 한다</a:t>
-            </a:r>
-            <a:r>
-              <a:rPr lang="en-US" altLang="ko-KR" dirty="0"/>
-              <a:t>. </a:t>
-            </a:r>
-            <a:r>
-              <a:rPr lang="ko-KR" altLang="en-US" dirty="0"/>
-              <a:t> </a:t>
-            </a:r>
-            <a:endParaRPr lang="en-US" altLang="ko-KR" dirty="0"/>
-          </a:p>
         </p:txBody>
       </p:sp>
       <p:pic>
@@ -12852,7 +12784,7 @@
           <p:cNvPr id="5" name="그림 4">
             <a:extLst>
               <a:ext uri="{FF2B5EF4-FFF2-40B4-BE49-F238E27FC236}">
-                <a16:creationId xmlns:a16="http://schemas.microsoft.com/office/drawing/2014/main" id="{2552BF9E-D9F1-4DB5-BEB7-D46405B65994}"/>
+                <a16:creationId xmlns:a16="http://schemas.microsoft.com/office/drawing/2014/main" xmlns="" id="{2552BF9E-D9F1-4DB5-BEB7-D46405B65994}"/>
               </a:ext>
             </a:extLst>
           </p:cNvPr>
@@ -12869,7 +12801,7 @@
         </p:blipFill>
         <p:spPr>
           <a:xfrm>
-            <a:off x="3297620" y="3429000"/>
+            <a:off x="3081049" y="2719138"/>
             <a:ext cx="5596759" cy="3429000"/>
           </a:xfrm>
           <a:prstGeom prst="rect">
@@ -12907,14 +12839,14 @@
           <a:chExt cx="0" cy="0"/>
         </a:xfrm>
       </p:grpSpPr>
-      <mc:AlternateContent xmlns:mc="http://schemas.openxmlformats.org/markup-compatibility/2006">
-        <mc:Choice xmlns:a14="http://schemas.microsoft.com/office/drawing/2010/main" Requires="a14">
+      <mc:AlternateContent xmlns:mc="http://schemas.openxmlformats.org/markup-compatibility/2006" xmlns:a14="http://schemas.microsoft.com/office/drawing/2010/main">
+        <mc:Choice Requires="a14">
           <p:sp>
             <p:nvSpPr>
               <p:cNvPr id="2" name="제목 1">
                 <a:extLst>
                   <a:ext uri="{FF2B5EF4-FFF2-40B4-BE49-F238E27FC236}">
-                    <a16:creationId xmlns:a16="http://schemas.microsoft.com/office/drawing/2014/main" id="{49626BD6-18BE-403C-AA86-11A15687B7DA}"/>
+                    <a16:creationId xmlns:a16="http://schemas.microsoft.com/office/drawing/2014/main" xmlns="" id="{49626BD6-18BE-403C-AA86-11A15687B7DA}"/>
                   </a:ext>
                 </a:extLst>
               </p:cNvPr>
@@ -12953,7 +12885,7 @@
             </p:txBody>
           </p:sp>
         </mc:Choice>
-        <mc:Fallback>
+        <mc:Fallback xmlns="">
           <p:sp>
             <p:nvSpPr>
               <p:cNvPr id="2" name="제목 1">
@@ -12997,14 +12929,14 @@
           </p:sp>
         </mc:Fallback>
       </mc:AlternateContent>
-      <mc:AlternateContent xmlns:mc="http://schemas.openxmlformats.org/markup-compatibility/2006">
-        <mc:Choice xmlns:a14="http://schemas.microsoft.com/office/drawing/2010/main" Requires="a14">
+      <mc:AlternateContent xmlns:mc="http://schemas.openxmlformats.org/markup-compatibility/2006" xmlns:a14="http://schemas.microsoft.com/office/drawing/2010/main">
+        <mc:Choice Requires="a14">
           <p:sp>
             <p:nvSpPr>
               <p:cNvPr id="6" name="내용 개체 틀 5">
                 <a:extLst>
                   <a:ext uri="{FF2B5EF4-FFF2-40B4-BE49-F238E27FC236}">
-                    <a16:creationId xmlns:a16="http://schemas.microsoft.com/office/drawing/2014/main" id="{0D4176C7-361D-49B8-8D27-82FA5C7CAEF9}"/>
+                    <a16:creationId xmlns:a16="http://schemas.microsoft.com/office/drawing/2014/main" xmlns="" id="{0D4176C7-361D-49B8-8D27-82FA5C7CAEF9}"/>
                   </a:ext>
                 </a:extLst>
               </p:cNvPr>
@@ -13047,7 +12979,7 @@
                         <m:endChr m:val="}"/>
                         <m:ctrlPr>
                           <a:rPr lang="ko-KR" altLang="en-US" i="1" smtClean="0">
-                            <a:latin typeface="Cambria Math" panose="02040503050406030204" pitchFamily="18" charset="0"/>
+                            <a:latin typeface="Cambria Math"/>
                           </a:rPr>
                         </m:ctrlPr>
                       </m:dPr>
@@ -13056,7 +12988,7 @@
                           <m:sSubPr>
                             <m:ctrlPr>
                               <a:rPr lang="ko-KR" altLang="en-US" i="1" smtClean="0">
-                                <a:latin typeface="Cambria Math" panose="02040503050406030204" pitchFamily="18" charset="0"/>
+                                <a:latin typeface="Cambria Math"/>
                               </a:rPr>
                             </m:ctrlPr>
                           </m:sSubPr>
@@ -13087,7 +13019,7 @@
                           <m:sSubPr>
                             <m:ctrlPr>
                               <a:rPr lang="ko-KR" altLang="en-US" i="1" smtClean="0">
-                                <a:latin typeface="Cambria Math" panose="02040503050406030204" pitchFamily="18" charset="0"/>
+                                <a:latin typeface="Cambria Math"/>
                               </a:rPr>
                             </m:ctrlPr>
                           </m:sSubPr>
@@ -13118,7 +13050,7 @@
                           <m:sSubPr>
                             <m:ctrlPr>
                               <a:rPr lang="ko-KR" altLang="en-US" i="1" smtClean="0">
-                                <a:latin typeface="Cambria Math" panose="02040503050406030204" pitchFamily="18" charset="0"/>
+                                <a:latin typeface="Cambria Math"/>
                               </a:rPr>
                             </m:ctrlPr>
                           </m:sSubPr>
@@ -13149,7 +13081,7 @@
                           <m:sSubPr>
                             <m:ctrlPr>
                               <a:rPr lang="ko-KR" altLang="en-US" i="1" smtClean="0">
-                                <a:latin typeface="Cambria Math" panose="02040503050406030204" pitchFamily="18" charset="0"/>
+                                <a:latin typeface="Cambria Math"/>
                               </a:rPr>
                             </m:ctrlPr>
                           </m:sSubPr>
@@ -13196,7 +13128,7 @@
                       <m:dPr>
                         <m:ctrlPr>
                           <a:rPr lang="ko-KR" altLang="en-US" i="1" smtClean="0">
-                            <a:latin typeface="Cambria Math" panose="02040503050406030204" pitchFamily="18" charset="0"/>
+                            <a:latin typeface="Cambria Math"/>
                           </a:rPr>
                         </m:ctrlPr>
                       </m:dPr>
@@ -13219,7 +13151,7 @@
                       <m:fPr>
                         <m:ctrlPr>
                           <a:rPr lang="ko-KR" altLang="en-US" i="1" smtClean="0">
-                            <a:latin typeface="Cambria Math" panose="02040503050406030204" pitchFamily="18" charset="0"/>
+                            <a:latin typeface="Cambria Math"/>
                           </a:rPr>
                         </m:ctrlPr>
                       </m:fPr>
@@ -13231,7 +13163,7 @@
                             <m:grow m:val="on"/>
                             <m:ctrlPr>
                               <a:rPr lang="ko-KR" altLang="en-US" i="1" smtClean="0">
-                                <a:latin typeface="Cambria Math" panose="02040503050406030204" pitchFamily="18" charset="0"/>
+                                <a:latin typeface="Cambria Math"/>
                               </a:rPr>
                             </m:ctrlPr>
                           </m:naryPr>
@@ -13262,7 +13194,7 @@
                               <m:sSubPr>
                                 <m:ctrlPr>
                                   <a:rPr lang="ko-KR" altLang="en-US" i="1" smtClean="0">
-                                    <a:latin typeface="Cambria Math" panose="02040503050406030204" pitchFamily="18" charset="0"/>
+                                    <a:latin typeface="Cambria Math"/>
                                   </a:rPr>
                                 </m:ctrlPr>
                               </m:sSubPr>
@@ -13341,7 +13273,7 @@
                       <m:sSubPr>
                         <m:ctrlPr>
                           <a:rPr lang="ko-KR" altLang="en-US" i="1" smtClean="0">
-                            <a:latin typeface="Cambria Math" panose="02040503050406030204" pitchFamily="18" charset="0"/>
+                            <a:latin typeface="Cambria Math"/>
                           </a:rPr>
                         </m:ctrlPr>
                       </m:sSubPr>
@@ -13402,7 +13334,7 @@
                       <m:dPr>
                         <m:ctrlPr>
                           <a:rPr lang="en-US" altLang="ko-KR" i="1" smtClean="0">
-                            <a:latin typeface="Cambria Math" panose="02040503050406030204" pitchFamily="18" charset="0"/>
+                            <a:latin typeface="Cambria Math"/>
                           </a:rPr>
                         </m:ctrlPr>
                       </m:dPr>
@@ -13411,7 +13343,7 @@
                           <m:sSupPr>
                             <m:ctrlPr>
                               <a:rPr lang="en-US" altLang="ko-KR" i="1" smtClean="0">
-                                <a:latin typeface="Cambria Math" panose="02040503050406030204" pitchFamily="18" charset="0"/>
+                                <a:latin typeface="Cambria Math"/>
                               </a:rPr>
                             </m:ctrlPr>
                           </m:sSupPr>
@@ -13420,7 +13352,7 @@
                               <m:dPr>
                                 <m:ctrlPr>
                                   <a:rPr lang="en-US" altLang="ko-KR" i="1" smtClean="0">
-                                    <a:latin typeface="Cambria Math" panose="02040503050406030204" pitchFamily="18" charset="0"/>
+                                    <a:latin typeface="Cambria Math"/>
                                   </a:rPr>
                                 </m:ctrlPr>
                               </m:dPr>
@@ -13429,7 +13361,7 @@
                                   <m:sSubPr>
                                     <m:ctrlPr>
                                       <a:rPr lang="en-US" altLang="ko-KR" i="1" smtClean="0">
-                                        <a:latin typeface="Cambria Math" panose="02040503050406030204" pitchFamily="18" charset="0"/>
+                                        <a:latin typeface="Cambria Math"/>
                                       </a:rPr>
                                     </m:ctrlPr>
                                   </m:sSubPr>
@@ -13486,7 +13418,7 @@
                       <m:fPr>
                         <m:ctrlPr>
                           <a:rPr lang="en-US" altLang="ko-KR" i="1" smtClean="0">
-                            <a:latin typeface="Cambria Math" panose="02040503050406030204" pitchFamily="18" charset="0"/>
+                            <a:latin typeface="Cambria Math"/>
                           </a:rPr>
                         </m:ctrlPr>
                       </m:fPr>
@@ -13498,7 +13430,7 @@
                             <m:grow m:val="on"/>
                             <m:ctrlPr>
                               <a:rPr lang="en-US" altLang="ko-KR" i="1" smtClean="0">
-                                <a:latin typeface="Cambria Math" panose="02040503050406030204" pitchFamily="18" charset="0"/>
+                                <a:latin typeface="Cambria Math"/>
                               </a:rPr>
                             </m:ctrlPr>
                           </m:naryPr>
@@ -13529,7 +13461,7 @@
                               <m:sSupPr>
                                 <m:ctrlPr>
                                   <a:rPr lang="en-US" altLang="ko-KR" i="1" smtClean="0">
-                                    <a:latin typeface="Cambria Math" panose="02040503050406030204" pitchFamily="18" charset="0"/>
+                                    <a:latin typeface="Cambria Math"/>
                                   </a:rPr>
                                 </m:ctrlPr>
                               </m:sSupPr>
@@ -13538,7 +13470,7 @@
                                   <m:dPr>
                                     <m:ctrlPr>
                                       <a:rPr lang="en-US" altLang="ko-KR" i="1" smtClean="0">
-                                        <a:latin typeface="Cambria Math" panose="02040503050406030204" pitchFamily="18" charset="0"/>
+                                        <a:latin typeface="Cambria Math"/>
                                       </a:rPr>
                                     </m:ctrlPr>
                                   </m:dPr>
@@ -13547,7 +13479,7 @@
                                       <m:sSubPr>
                                         <m:ctrlPr>
                                           <a:rPr lang="en-US" altLang="ko-KR" i="1" smtClean="0">
-                                            <a:latin typeface="Cambria Math" panose="02040503050406030204" pitchFamily="18" charset="0"/>
+                                            <a:latin typeface="Cambria Math"/>
                                           </a:rPr>
                                         </m:ctrlPr>
                                       </m:sSubPr>
@@ -13626,7 +13558,7 @@
                       <m:dPr>
                         <m:ctrlPr>
                           <a:rPr lang="en-US" altLang="ko-KR" i="1" dirty="0" smtClean="0">
-                            <a:latin typeface="Cambria Math" panose="02040503050406030204" pitchFamily="18" charset="0"/>
+                            <a:latin typeface="Cambria Math"/>
                           </a:rPr>
                         </m:ctrlPr>
                       </m:dPr>
@@ -13661,7 +13593,7 @@
                       <m:fPr>
                         <m:ctrlPr>
                           <a:rPr lang="en-US" altLang="ko-KR" i="1" smtClean="0">
-                            <a:latin typeface="Cambria Math" panose="02040503050406030204" pitchFamily="18" charset="0"/>
+                            <a:latin typeface="Cambria Math"/>
                           </a:rPr>
                         </m:ctrlPr>
                       </m:fPr>
@@ -13673,7 +13605,7 @@
                             <m:grow m:val="on"/>
                             <m:ctrlPr>
                               <a:rPr lang="en-US" altLang="ko-KR" i="1" smtClean="0">
-                                <a:latin typeface="Cambria Math" panose="02040503050406030204" pitchFamily="18" charset="0"/>
+                                <a:latin typeface="Cambria Math"/>
                               </a:rPr>
                             </m:ctrlPr>
                           </m:naryPr>
@@ -13704,7 +13636,7 @@
                               <m:sSupPr>
                                 <m:ctrlPr>
                                   <a:rPr lang="en-US" altLang="ko-KR" i="1" smtClean="0">
-                                    <a:latin typeface="Cambria Math" panose="02040503050406030204" pitchFamily="18" charset="0"/>
+                                    <a:latin typeface="Cambria Math"/>
                                   </a:rPr>
                                 </m:ctrlPr>
                               </m:sSupPr>
@@ -13713,7 +13645,7 @@
                                   <m:dPr>
                                     <m:ctrlPr>
                                       <a:rPr lang="en-US" altLang="ko-KR" i="1" smtClean="0">
-                                        <a:latin typeface="Cambria Math" panose="02040503050406030204" pitchFamily="18" charset="0"/>
+                                        <a:latin typeface="Cambria Math"/>
                                       </a:rPr>
                                     </m:ctrlPr>
                                   </m:dPr>
@@ -13722,7 +13654,7 @@
                                       <m:sSubPr>
                                         <m:ctrlPr>
                                           <a:rPr lang="en-US" altLang="ko-KR" i="1" smtClean="0">
-                                            <a:latin typeface="Cambria Math" panose="02040503050406030204" pitchFamily="18" charset="0"/>
+                                            <a:latin typeface="Cambria Math"/>
                                           </a:rPr>
                                         </m:ctrlPr>
                                       </m:sSubPr>
@@ -13816,7 +13748,7 @@
                       <m:dPr>
                         <m:ctrlPr>
                           <a:rPr lang="en-US" altLang="ko-KR" i="1" smtClean="0">
-                            <a:latin typeface="Cambria Math" panose="02040503050406030204" pitchFamily="18" charset="0"/>
+                            <a:latin typeface="Cambria Math"/>
                           </a:rPr>
                         </m:ctrlPr>
                       </m:dPr>
@@ -13840,7 +13772,7 @@
                         <m:degHide m:val="on"/>
                         <m:ctrlPr>
                           <a:rPr lang="en-US" altLang="ko-KR" i="1" smtClean="0">
-                            <a:latin typeface="Cambria Math" panose="02040503050406030204" pitchFamily="18" charset="0"/>
+                            <a:latin typeface="Cambria Math"/>
                           </a:rPr>
                         </m:ctrlPr>
                       </m:radPr>
@@ -13856,7 +13788,7 @@
                           <m:dPr>
                             <m:ctrlPr>
                               <a:rPr lang="en-US" altLang="ko-KR" i="1" smtClean="0">
-                                <a:latin typeface="Cambria Math" panose="02040503050406030204" pitchFamily="18" charset="0"/>
+                                <a:latin typeface="Cambria Math"/>
                               </a:rPr>
                             </m:ctrlPr>
                           </m:dPr>
@@ -13921,7 +13853,7 @@
             </p:txBody>
           </p:sp>
         </mc:Choice>
-        <mc:Fallback>
+        <mc:Fallback xmlns="">
           <p:sp>
             <p:nvSpPr>
               <p:cNvPr id="6" name="내용 개체 틀 5">
@@ -13995,14 +13927,14 @@
           <a:chExt cx="0" cy="0"/>
         </a:xfrm>
       </p:grpSpPr>
-      <mc:AlternateContent xmlns:mc="http://schemas.openxmlformats.org/markup-compatibility/2006">
-        <mc:Choice xmlns:a14="http://schemas.microsoft.com/office/drawing/2010/main" Requires="a14">
+      <mc:AlternateContent xmlns:mc="http://schemas.openxmlformats.org/markup-compatibility/2006" xmlns:a14="http://schemas.microsoft.com/office/drawing/2010/main">
+        <mc:Choice Requires="a14">
           <p:sp>
             <p:nvSpPr>
               <p:cNvPr id="2" name="제목 1">
                 <a:extLst>
                   <a:ext uri="{FF2B5EF4-FFF2-40B4-BE49-F238E27FC236}">
-                    <a16:creationId xmlns:a16="http://schemas.microsoft.com/office/drawing/2014/main" id="{49626BD6-18BE-403C-AA86-11A15687B7DA}"/>
+                    <a16:creationId xmlns:a16="http://schemas.microsoft.com/office/drawing/2014/main" xmlns="" id="{49626BD6-18BE-403C-AA86-11A15687B7DA}"/>
                   </a:ext>
                 </a:extLst>
               </p:cNvPr>
@@ -14046,7 +13978,7 @@
             </p:txBody>
           </p:sp>
         </mc:Choice>
-        <mc:Fallback>
+        <mc:Fallback xmlns="">
           <p:sp>
             <p:nvSpPr>
               <p:cNvPr id="2" name="제목 1">
@@ -14095,7 +14027,7 @@
           <p:cNvPr id="6" name="내용 개체 틀 5">
             <a:extLst>
               <a:ext uri="{FF2B5EF4-FFF2-40B4-BE49-F238E27FC236}">
-                <a16:creationId xmlns:a16="http://schemas.microsoft.com/office/drawing/2014/main" id="{0D4176C7-361D-49B8-8D27-82FA5C7CAEF9}"/>
+                <a16:creationId xmlns:a16="http://schemas.microsoft.com/office/drawing/2014/main" xmlns="" id="{0D4176C7-361D-49B8-8D27-82FA5C7CAEF9}"/>
               </a:ext>
             </a:extLst>
           </p:cNvPr>
@@ -14477,7 +14409,7 @@
   <a:extraClrSchemeLst/>
   <a:extLst>
     <a:ext uri="{05A4C25C-085E-4340-85A3-A5531E510DB2}">
-      <thm15:themeFamily xmlns:thm15="http://schemas.microsoft.com/office/thememl/2012/main" name="Office Theme" id="{62F939B6-93AF-4DB8-9C6B-D6C7DFDC589F}" vid="{4A3C46E8-61CC-4603-A589-7422A47A8E4A}"/>
+      <thm15:themeFamily xmlns:thm15="http://schemas.microsoft.com/office/thememl/2012/main" xmlns="" name="Office Theme" id="{62F939B6-93AF-4DB8-9C6B-D6C7DFDC589F}" vid="{4A3C46E8-61CC-4603-A589-7422A47A8E4A}"/>
     </a:ext>
   </a:extLst>
 </a:theme>
